--- a/230526_9기_서울_8반_관통PJT_김소희_윤석준.pptx
+++ b/230526_9기_서울_8반_관통PJT_김소희_윤석준.pptx
@@ -8,22 +8,23 @@
     <p:sldId id="256" r:id="rId2"/>
     <p:sldId id="259" r:id="rId3"/>
     <p:sldId id="260" r:id="rId4"/>
-    <p:sldId id="261" r:id="rId5"/>
-    <p:sldId id="271" r:id="rId6"/>
-    <p:sldId id="272" r:id="rId7"/>
-    <p:sldId id="273" r:id="rId8"/>
-    <p:sldId id="262" r:id="rId9"/>
-    <p:sldId id="274" r:id="rId10"/>
-    <p:sldId id="275" r:id="rId11"/>
-    <p:sldId id="276" r:id="rId12"/>
-    <p:sldId id="277" r:id="rId13"/>
-    <p:sldId id="278" r:id="rId14"/>
-    <p:sldId id="279" r:id="rId15"/>
-    <p:sldId id="280" r:id="rId16"/>
-    <p:sldId id="282" r:id="rId17"/>
-    <p:sldId id="264" r:id="rId18"/>
-    <p:sldId id="265" r:id="rId19"/>
-    <p:sldId id="266" r:id="rId20"/>
+    <p:sldId id="283" r:id="rId5"/>
+    <p:sldId id="261" r:id="rId6"/>
+    <p:sldId id="271" r:id="rId7"/>
+    <p:sldId id="272" r:id="rId8"/>
+    <p:sldId id="273" r:id="rId9"/>
+    <p:sldId id="262" r:id="rId10"/>
+    <p:sldId id="274" r:id="rId11"/>
+    <p:sldId id="275" r:id="rId12"/>
+    <p:sldId id="276" r:id="rId13"/>
+    <p:sldId id="277" r:id="rId14"/>
+    <p:sldId id="278" r:id="rId15"/>
+    <p:sldId id="279" r:id="rId16"/>
+    <p:sldId id="280" r:id="rId17"/>
+    <p:sldId id="282" r:id="rId18"/>
+    <p:sldId id="264" r:id="rId19"/>
+    <p:sldId id="265" r:id="rId20"/>
+    <p:sldId id="266" r:id="rId21"/>
   </p:sldIdLst>
   <p:sldSz cx="12192000" cy="6858000"/>
   <p:notesSz cx="6858000" cy="9144000"/>
@@ -3906,15 +3907,7 @@
           <a:p>
             <a:r>
               <a:rPr lang="ko-KR" altLang="en-US" sz="2000" b="1" dirty="0"/>
-              <a:t>회원가입 </a:t>
-            </a:r>
-            <a:r>
-              <a:rPr lang="en-US" altLang="ko-KR" sz="2000" b="1" dirty="0"/>
-              <a:t>&amp; </a:t>
-            </a:r>
-            <a:r>
-              <a:rPr lang="ko-KR" altLang="en-US" sz="2000" b="1" dirty="0"/>
-              <a:t>로그인</a:t>
+              <a:t>홈페이지</a:t>
             </a:r>
             <a:endParaRPr lang="en-US" altLang="ko-KR" sz="2000" b="1" dirty="0"/>
           </a:p>
@@ -3935,7 +3928,7 @@
         <p:spPr>
           <a:xfrm>
             <a:off x="569348" y="2505027"/>
-            <a:ext cx="3387634" cy="869790"/>
+            <a:ext cx="3387634" cy="1285288"/>
           </a:xfrm>
           <a:prstGeom prst="rect">
             <a:avLst/>
@@ -3957,7 +3950,7 @@
             </a:pPr>
             <a:r>
               <a:rPr lang="ko-KR" altLang="en-US" dirty="0"/>
-              <a:t>비밀번호 숨기기</a:t>
+              <a:t>랜덤 명언</a:t>
             </a:r>
             <a:endParaRPr lang="en-US" altLang="ko-KR" dirty="0"/>
           </a:p>
@@ -3970,18 +3963,30 @@
               <a:buChar char="•"/>
             </a:pPr>
             <a:r>
+              <a:rPr lang="ko-KR" altLang="en-US" dirty="0"/>
+              <a:t>로그인 상태에 따라</a:t>
+            </a:r>
+            <a:r>
               <a:rPr lang="en-US" altLang="ko-KR" dirty="0"/>
-              <a:t>JWT</a:t>
-            </a:r>
+              <a:t/>
+            </a:r>
+            <a:br>
+              <a:rPr lang="en-US" altLang="ko-KR" dirty="0"/>
+            </a:br>
+            <a:r>
+              <a:rPr lang="ko-KR" altLang="en-US" dirty="0"/>
+              <a:t>네비게이션 변화</a:t>
+            </a:r>
+            <a:endParaRPr lang="en-US" altLang="ko-KR" dirty="0"/>
           </a:p>
         </p:txBody>
       </p:sp>
       <p:pic>
         <p:nvPicPr>
-          <p:cNvPr id="5" name="그림 4" descr="텍스트, 스크린샷, 소프트웨어, 컴퓨터 아이콘이(가) 표시된 사진&#10;&#10;자동 생성된 설명">
-            <a:extLst>
-              <a:ext uri="{FF2B5EF4-FFF2-40B4-BE49-F238E27FC236}">
-                <a16:creationId xmlns:a16="http://schemas.microsoft.com/office/drawing/2014/main" id="{4173B33B-B1A3-A888-9F09-0ACE38690E15}"/>
+          <p:cNvPr id="4" name="그림 3" descr="텍스트, 스크린샷, 인간의 얼굴, 그래픽 디자인이(가) 표시된 사진&#10;&#10;자동 생성된 설명">
+            <a:extLst>
+              <a:ext uri="{FF2B5EF4-FFF2-40B4-BE49-F238E27FC236}">
+                <a16:creationId xmlns:a16="http://schemas.microsoft.com/office/drawing/2014/main" id="{34C3A625-B24D-905F-4C29-934515B9734D}"/>
               </a:ext>
             </a:extLst>
           </p:cNvPr>
@@ -3998,48 +4003,13 @@
               </a:ext>
             </a:extLst>
           </a:blip>
-          <a:srcRect l="30599" t="6278" r="31143" b="14918"/>
+          <a:srcRect t="6278"/>
           <a:stretch/>
         </p:blipFill>
         <p:spPr>
           <a:xfrm>
-            <a:off x="4428997" y="1398343"/>
-            <a:ext cx="3567012" cy="3952948"/>
-          </a:xfrm>
-          <a:prstGeom prst="rect">
-            <a:avLst/>
-          </a:prstGeom>
-        </p:spPr>
-      </p:pic>
-      <p:pic>
-        <p:nvPicPr>
-          <p:cNvPr id="7" name="그림 6" descr="텍스트, 스크린샷, 소프트웨어, 컴퓨터 아이콘이(가) 표시된 사진&#10;&#10;자동 생성된 설명">
-            <a:extLst>
-              <a:ext uri="{FF2B5EF4-FFF2-40B4-BE49-F238E27FC236}">
-                <a16:creationId xmlns:a16="http://schemas.microsoft.com/office/drawing/2014/main" id="{DA37B51F-1289-3070-1752-6897A3F22744}"/>
-              </a:ext>
-            </a:extLst>
-          </p:cNvPr>
-          <p:cNvPicPr>
-            <a:picLocks noChangeAspect="1"/>
-          </p:cNvPicPr>
-          <p:nvPr/>
-        </p:nvPicPr>
-        <p:blipFill rotWithShape="1">
-          <a:blip r:embed="rId3">
-            <a:extLst>
-              <a:ext uri="{28A0092B-C50C-407E-A947-70E740481C1C}">
-                <a14:useLocalDpi xmlns:a14="http://schemas.microsoft.com/office/drawing/2010/main" val="0"/>
-              </a:ext>
-            </a:extLst>
-          </a:blip>
-          <a:srcRect l="30599" t="6278" r="31143" b="18106"/>
-          <a:stretch/>
-        </p:blipFill>
-        <p:spPr>
-          <a:xfrm>
-            <a:off x="8206767" y="1398343"/>
-            <a:ext cx="3567012" cy="3793118"/>
+            <a:off x="3730560" y="1507403"/>
+            <a:ext cx="8019864" cy="4043952"/>
           </a:xfrm>
           <a:prstGeom prst="rect">
             <a:avLst/>
@@ -4049,7 +4019,7 @@
     </p:spTree>
     <p:extLst>
       <p:ext uri="{BB962C8B-B14F-4D97-AF65-F5344CB8AC3E}">
-        <p14:creationId xmlns:p14="http://schemas.microsoft.com/office/powerpoint/2010/main" val="3836275052"/>
+        <p14:creationId xmlns:p14="http://schemas.microsoft.com/office/powerpoint/2010/main" val="3405319612"/>
       </p:ext>
     </p:extLst>
   </p:cSld>
@@ -4255,7 +4225,15 @@
           <a:p>
             <a:r>
               <a:rPr lang="ko-KR" altLang="en-US" sz="2000" b="1" dirty="0"/>
-              <a:t>팀 검색</a:t>
+              <a:t>회원가입 </a:t>
+            </a:r>
+            <a:r>
+              <a:rPr lang="en-US" altLang="ko-KR" sz="2000" b="1" dirty="0"/>
+              <a:t>&amp; </a:t>
+            </a:r>
+            <a:r>
+              <a:rPr lang="ko-KR" altLang="en-US" sz="2000" b="1" dirty="0"/>
+              <a:t>로그인</a:t>
             </a:r>
             <a:endParaRPr lang="en-US" altLang="ko-KR" sz="2000" b="1" dirty="0"/>
           </a:p>
@@ -4275,8 +4253,8 @@
         </p:nvSpPr>
         <p:spPr>
           <a:xfrm>
-            <a:off x="569347" y="2505027"/>
-            <a:ext cx="3645601" cy="869790"/>
+            <a:off x="569348" y="2505027"/>
+            <a:ext cx="3387634" cy="869790"/>
           </a:xfrm>
           <a:prstGeom prst="rect">
             <a:avLst/>
@@ -4298,15 +4276,7 @@
             </a:pPr>
             <a:r>
               <a:rPr lang="ko-KR" altLang="en-US" dirty="0"/>
-              <a:t>팀 이름</a:t>
-            </a:r>
-            <a:r>
-              <a:rPr lang="en-US" altLang="ko-KR" dirty="0"/>
-              <a:t>, </a:t>
-            </a:r>
-            <a:r>
-              <a:rPr lang="ko-KR" altLang="en-US" dirty="0"/>
-              <a:t>정렬 순서 기준</a:t>
+              <a:t>비밀번호 숨기기</a:t>
             </a:r>
             <a:endParaRPr lang="en-US" altLang="ko-KR" dirty="0"/>
           </a:p>
@@ -4319,22 +4289,18 @@
               <a:buChar char="•"/>
             </a:pPr>
             <a:r>
-              <a:rPr lang="ko-KR" altLang="en-US" dirty="0"/>
-              <a:t>가입된 팀이 있으면 팀 생성 </a:t>
-            </a:r>
-            <a:r>
               <a:rPr lang="en-US" altLang="ko-KR" dirty="0"/>
-              <a:t>X</a:t>
+              <a:t>JWT</a:t>
             </a:r>
           </a:p>
         </p:txBody>
       </p:sp>
       <p:pic>
         <p:nvPicPr>
-          <p:cNvPr id="4" name="그림 3" descr="텍스트, 스크린샷, 소프트웨어, 멀티미디어 소프트웨어이(가) 표시된 사진&#10;&#10;자동 생성된 설명">
-            <a:extLst>
-              <a:ext uri="{FF2B5EF4-FFF2-40B4-BE49-F238E27FC236}">
-                <a16:creationId xmlns:a16="http://schemas.microsoft.com/office/drawing/2014/main" id="{86E8EB59-1B38-6423-0519-E571C1CFAB7A}"/>
+          <p:cNvPr id="5" name="그림 4" descr="텍스트, 스크린샷, 소프트웨어, 컴퓨터 아이콘이(가) 표시된 사진&#10;&#10;자동 생성된 설명">
+            <a:extLst>
+              <a:ext uri="{FF2B5EF4-FFF2-40B4-BE49-F238E27FC236}">
+                <a16:creationId xmlns:a16="http://schemas.microsoft.com/office/drawing/2014/main" id="{4173B33B-B1A3-A888-9F09-0ACE38690E15}"/>
               </a:ext>
             </a:extLst>
           </p:cNvPr>
@@ -4351,13 +4317,48 @@
               </a:ext>
             </a:extLst>
           </a:blip>
-          <a:srcRect t="7682"/>
+          <a:srcRect l="30599" t="6278" r="31143" b="14918"/>
           <a:stretch/>
         </p:blipFill>
         <p:spPr>
           <a:xfrm>
-            <a:off x="4729819" y="1599219"/>
-            <a:ext cx="7149738" cy="3551196"/>
+            <a:off x="4428997" y="1398343"/>
+            <a:ext cx="3567012" cy="3952948"/>
+          </a:xfrm>
+          <a:prstGeom prst="rect">
+            <a:avLst/>
+          </a:prstGeom>
+        </p:spPr>
+      </p:pic>
+      <p:pic>
+        <p:nvPicPr>
+          <p:cNvPr id="7" name="그림 6" descr="텍스트, 스크린샷, 소프트웨어, 컴퓨터 아이콘이(가) 표시된 사진&#10;&#10;자동 생성된 설명">
+            <a:extLst>
+              <a:ext uri="{FF2B5EF4-FFF2-40B4-BE49-F238E27FC236}">
+                <a16:creationId xmlns:a16="http://schemas.microsoft.com/office/drawing/2014/main" id="{DA37B51F-1289-3070-1752-6897A3F22744}"/>
+              </a:ext>
+            </a:extLst>
+          </p:cNvPr>
+          <p:cNvPicPr>
+            <a:picLocks noChangeAspect="1"/>
+          </p:cNvPicPr>
+          <p:nvPr/>
+        </p:nvPicPr>
+        <p:blipFill rotWithShape="1">
+          <a:blip r:embed="rId3">
+            <a:extLst>
+              <a:ext uri="{28A0092B-C50C-407E-A947-70E740481C1C}">
+                <a14:useLocalDpi xmlns:a14="http://schemas.microsoft.com/office/drawing/2010/main" val="0"/>
+              </a:ext>
+            </a:extLst>
+          </a:blip>
+          <a:srcRect l="30599" t="6278" r="31143" b="18106"/>
+          <a:stretch/>
+        </p:blipFill>
+        <p:spPr>
+          <a:xfrm>
+            <a:off x="8206767" y="1398343"/>
+            <a:ext cx="3567012" cy="3793118"/>
           </a:xfrm>
           <a:prstGeom prst="rect">
             <a:avLst/>
@@ -4367,7 +4368,7 @@
     </p:spTree>
     <p:extLst>
       <p:ext uri="{BB962C8B-B14F-4D97-AF65-F5344CB8AC3E}">
-        <p14:creationId xmlns:p14="http://schemas.microsoft.com/office/powerpoint/2010/main" val="2277501054"/>
+        <p14:creationId xmlns:p14="http://schemas.microsoft.com/office/powerpoint/2010/main" val="3836275052"/>
       </p:ext>
     </p:extLst>
   </p:cSld>
@@ -4573,11 +4574,7 @@
           <a:p>
             <a:r>
               <a:rPr lang="ko-KR" altLang="en-US" sz="2000" b="1" dirty="0"/>
-              <a:t>팀 </a:t>
-            </a:r>
-            <a:r>
-              <a:rPr lang="ko-KR" altLang="en-US" sz="2000" b="1" dirty="0" err="1"/>
-              <a:t>메인페이지</a:t>
+              <a:t>팀 검색</a:t>
             </a:r>
             <a:endParaRPr lang="en-US" altLang="ko-KR" sz="2000" b="1" dirty="0"/>
           </a:p>
@@ -4620,7 +4617,15 @@
             </a:pPr>
             <a:r>
               <a:rPr lang="ko-KR" altLang="en-US" dirty="0"/>
-              <a:t>주 단위 목표 달성도 계산</a:t>
+              <a:t>팀 이름</a:t>
+            </a:r>
+            <a:r>
+              <a:rPr lang="en-US" altLang="ko-KR" dirty="0"/>
+              <a:t>, </a:t>
+            </a:r>
+            <a:r>
+              <a:rPr lang="ko-KR" altLang="en-US" dirty="0"/>
+              <a:t>정렬 순서 기준</a:t>
             </a:r>
             <a:endParaRPr lang="en-US" altLang="ko-KR" dirty="0"/>
           </a:p>
@@ -4634,30 +4639,44 @@
             </a:pPr>
             <a:r>
               <a:rPr lang="ko-KR" altLang="en-US" dirty="0"/>
-              <a:t>달성도 순서로 카드 정렬</a:t>
-            </a:r>
-            <a:endParaRPr lang="en-US" altLang="ko-KR" dirty="0"/>
+              <a:t>가입된 팀이 있으면 팀 생성 </a:t>
+            </a:r>
+            <a:r>
+              <a:rPr lang="en-US" altLang="ko-KR" dirty="0"/>
+              <a:t>X</a:t>
+            </a:r>
           </a:p>
         </p:txBody>
       </p:sp>
       <p:pic>
         <p:nvPicPr>
-          <p:cNvPr id="3" name="그림 2"/>
+          <p:cNvPr id="4" name="그림 3" descr="텍스트, 스크린샷, 소프트웨어, 멀티미디어 소프트웨어이(가) 표시된 사진&#10;&#10;자동 생성된 설명">
+            <a:extLst>
+              <a:ext uri="{FF2B5EF4-FFF2-40B4-BE49-F238E27FC236}">
+                <a16:creationId xmlns:a16="http://schemas.microsoft.com/office/drawing/2014/main" id="{86E8EB59-1B38-6423-0519-E571C1CFAB7A}"/>
+              </a:ext>
+            </a:extLst>
+          </p:cNvPr>
           <p:cNvPicPr>
             <a:picLocks noChangeAspect="1"/>
           </p:cNvPicPr>
           <p:nvPr/>
         </p:nvPicPr>
-        <p:blipFill>
-          <a:blip r:embed="rId2"/>
-          <a:stretch>
-            <a:fillRect/>
-          </a:stretch>
+        <p:blipFill rotWithShape="1">
+          <a:blip r:embed="rId2">
+            <a:extLst>
+              <a:ext uri="{28A0092B-C50C-407E-A947-70E740481C1C}">
+                <a14:useLocalDpi xmlns:a14="http://schemas.microsoft.com/office/drawing/2010/main" val="0"/>
+              </a:ext>
+            </a:extLst>
+          </a:blip>
+          <a:srcRect t="7682"/>
+          <a:stretch/>
         </p:blipFill>
         <p:spPr>
           <a:xfrm>
-            <a:off x="4702627" y="1626401"/>
-            <a:ext cx="7149737" cy="3461019"/>
+            <a:off x="4729819" y="1599219"/>
+            <a:ext cx="7149738" cy="3551196"/>
           </a:xfrm>
           <a:prstGeom prst="rect">
             <a:avLst/>
@@ -4667,7 +4686,7 @@
     </p:spTree>
     <p:extLst>
       <p:ext uri="{BB962C8B-B14F-4D97-AF65-F5344CB8AC3E}">
-        <p14:creationId xmlns:p14="http://schemas.microsoft.com/office/powerpoint/2010/main" val="4060194306"/>
+        <p14:creationId xmlns:p14="http://schemas.microsoft.com/office/powerpoint/2010/main" val="2277501054"/>
       </p:ext>
     </p:extLst>
   </p:cSld>
@@ -4873,7 +4892,11 @@
           <a:p>
             <a:r>
               <a:rPr lang="ko-KR" altLang="en-US" sz="2000" b="1" dirty="0"/>
-              <a:t>팀 목표 수정</a:t>
+              <a:t>팀 </a:t>
+            </a:r>
+            <a:r>
+              <a:rPr lang="ko-KR" altLang="en-US" sz="2000" b="1" dirty="0" err="1"/>
+              <a:t>메인페이지</a:t>
             </a:r>
             <a:endParaRPr lang="en-US" altLang="ko-KR" sz="2000" b="1" dirty="0"/>
           </a:p>
@@ -4894,7 +4917,7 @@
         <p:spPr>
           <a:xfrm>
             <a:off x="569347" y="2505027"/>
-            <a:ext cx="3645601" cy="1285288"/>
+            <a:ext cx="3645601" cy="869790"/>
           </a:xfrm>
           <a:prstGeom prst="rect">
             <a:avLst/>
@@ -4916,7 +4939,7 @@
             </a:pPr>
             <a:r>
               <a:rPr lang="ko-KR" altLang="en-US" dirty="0"/>
-              <a:t>팀장만 접근 가능</a:t>
+              <a:t>주 단위 목표 달성도 계산</a:t>
             </a:r>
             <a:endParaRPr lang="en-US" altLang="ko-KR" dirty="0"/>
           </a:p>
@@ -4930,33 +4953,7 @@
             </a:pPr>
             <a:r>
               <a:rPr lang="ko-KR" altLang="en-US" dirty="0"/>
-              <a:t>목표 추가 및 삭제</a:t>
-            </a:r>
-            <a:endParaRPr lang="en-US" altLang="ko-KR" dirty="0"/>
-          </a:p>
-          <a:p>
-            <a:pPr marL="285750" indent="-285750">
-              <a:lnSpc>
-                <a:spcPct val="150000"/>
-              </a:lnSpc>
-              <a:buFont typeface="Arial" panose="020B0604020202020204" pitchFamily="34" charset="0"/>
-              <a:buChar char="•"/>
-            </a:pPr>
-            <a:r>
-              <a:rPr lang="en-US" altLang="ko-KR" dirty="0"/>
-              <a:t>1 </a:t>
-            </a:r>
-            <a:r>
-              <a:rPr lang="ko-KR" altLang="en-US" dirty="0"/>
-              <a:t>종목 </a:t>
-            </a:r>
-            <a:r>
-              <a:rPr lang="en-US" altLang="ko-KR" dirty="0"/>
-              <a:t>1 </a:t>
-            </a:r>
-            <a:r>
-              <a:rPr lang="ko-KR" altLang="en-US" dirty="0"/>
-              <a:t>목표</a:t>
+              <a:t>달성도 순서로 카드 정렬</a:t>
             </a:r>
             <a:endParaRPr lang="en-US" altLang="ko-KR" dirty="0"/>
           </a:p>
@@ -4964,33 +4961,22 @@
       </p:sp>
       <p:pic>
         <p:nvPicPr>
-          <p:cNvPr id="4" name="그림 3" descr="텍스트, 스크린샷, 소프트웨어, 번호이(가) 표시된 사진&#10;&#10;자동 생성된 설명">
-            <a:extLst>
-              <a:ext uri="{FF2B5EF4-FFF2-40B4-BE49-F238E27FC236}">
-                <a16:creationId xmlns:a16="http://schemas.microsoft.com/office/drawing/2014/main" id="{B2652035-1162-24A5-7985-107D01914B13}"/>
-              </a:ext>
-            </a:extLst>
-          </p:cNvPr>
+          <p:cNvPr id="3" name="그림 2"/>
           <p:cNvPicPr>
             <a:picLocks noChangeAspect="1"/>
           </p:cNvPicPr>
           <p:nvPr/>
         </p:nvPicPr>
-        <p:blipFill rotWithShape="1">
-          <a:blip r:embed="rId2">
-            <a:extLst>
-              <a:ext uri="{28A0092B-C50C-407E-A947-70E740481C1C}">
-                <a14:useLocalDpi xmlns:a14="http://schemas.microsoft.com/office/drawing/2010/main" val="0"/>
-              </a:ext>
-            </a:extLst>
-          </a:blip>
-          <a:srcRect l="4670" t="6278" b="12794"/>
-          <a:stretch/>
+        <p:blipFill>
+          <a:blip r:embed="rId2"/>
+          <a:stretch>
+            <a:fillRect/>
+          </a:stretch>
         </p:blipFill>
         <p:spPr>
           <a:xfrm>
-            <a:off x="3900900" y="1806382"/>
-            <a:ext cx="7942755" cy="3627767"/>
+            <a:off x="4702627" y="1626401"/>
+            <a:ext cx="7149737" cy="3461019"/>
           </a:xfrm>
           <a:prstGeom prst="rect">
             <a:avLst/>
@@ -5000,7 +4986,7 @@
     </p:spTree>
     <p:extLst>
       <p:ext uri="{BB962C8B-B14F-4D97-AF65-F5344CB8AC3E}">
-        <p14:creationId xmlns:p14="http://schemas.microsoft.com/office/powerpoint/2010/main" val="3601168706"/>
+        <p14:creationId xmlns:p14="http://schemas.microsoft.com/office/powerpoint/2010/main" val="4060194306"/>
       </p:ext>
     </p:extLst>
   </p:cSld>
@@ -5206,7 +5192,7 @@
           <a:p>
             <a:r>
               <a:rPr lang="ko-KR" altLang="en-US" sz="2000" b="1" dirty="0"/>
-              <a:t>팀 상세정보</a:t>
+              <a:t>팀 목표 수정</a:t>
             </a:r>
             <a:endParaRPr lang="en-US" altLang="ko-KR" sz="2000" b="1" dirty="0"/>
           </a:p>
@@ -5227,7 +5213,7 @@
         <p:spPr>
           <a:xfrm>
             <a:off x="569347" y="2505027"/>
-            <a:ext cx="3645601" cy="869790"/>
+            <a:ext cx="3645601" cy="1285288"/>
           </a:xfrm>
           <a:prstGeom prst="rect">
             <a:avLst/>
@@ -5249,7 +5235,7 @@
             </a:pPr>
             <a:r>
               <a:rPr lang="ko-KR" altLang="en-US" dirty="0"/>
-              <a:t>팀 및 팀원 정보</a:t>
+              <a:t>팀장만 접근 가능</a:t>
             </a:r>
             <a:endParaRPr lang="en-US" altLang="ko-KR" dirty="0"/>
           </a:p>
@@ -5263,11 +5249,33 @@
             </a:pPr>
             <a:r>
               <a:rPr lang="ko-KR" altLang="en-US" dirty="0"/>
-              <a:t>주간 달성도의 </a:t>
-            </a:r>
-            <a:r>
-              <a:rPr lang="ko-KR" altLang="en-US" dirty="0" err="1"/>
-              <a:t>달성률</a:t>
+              <a:t>목표 추가 및 삭제</a:t>
+            </a:r>
+            <a:endParaRPr lang="en-US" altLang="ko-KR" dirty="0"/>
+          </a:p>
+          <a:p>
+            <a:pPr marL="285750" indent="-285750">
+              <a:lnSpc>
+                <a:spcPct val="150000"/>
+              </a:lnSpc>
+              <a:buFont typeface="Arial" panose="020B0604020202020204" pitchFamily="34" charset="0"/>
+              <a:buChar char="•"/>
+            </a:pPr>
+            <a:r>
+              <a:rPr lang="en-US" altLang="ko-KR" dirty="0"/>
+              <a:t>1 </a:t>
+            </a:r>
+            <a:r>
+              <a:rPr lang="ko-KR" altLang="en-US" dirty="0"/>
+              <a:t>종목 </a:t>
+            </a:r>
+            <a:r>
+              <a:rPr lang="en-US" altLang="ko-KR" dirty="0"/>
+              <a:t>1 </a:t>
+            </a:r>
+            <a:r>
+              <a:rPr lang="ko-KR" altLang="en-US" dirty="0"/>
+              <a:t>목표</a:t>
             </a:r>
             <a:endParaRPr lang="en-US" altLang="ko-KR" dirty="0"/>
           </a:p>
@@ -5275,10 +5283,10 @@
       </p:sp>
       <p:pic>
         <p:nvPicPr>
-          <p:cNvPr id="5" name="그림 4" descr="텍스트, 스크린샷, 소프트웨어, 웹 페이지이(가) 표시된 사진&#10;&#10;자동 생성된 설명">
-            <a:extLst>
-              <a:ext uri="{FF2B5EF4-FFF2-40B4-BE49-F238E27FC236}">
-                <a16:creationId xmlns:a16="http://schemas.microsoft.com/office/drawing/2014/main" id="{5DAB312A-B1B3-97DD-1F0C-1D5BE8822B25}"/>
+          <p:cNvPr id="4" name="그림 3" descr="텍스트, 스크린샷, 소프트웨어, 번호이(가) 표시된 사진&#10;&#10;자동 생성된 설명">
+            <a:extLst>
+              <a:ext uri="{FF2B5EF4-FFF2-40B4-BE49-F238E27FC236}">
+                <a16:creationId xmlns:a16="http://schemas.microsoft.com/office/drawing/2014/main" id="{B2652035-1162-24A5-7985-107D01914B13}"/>
               </a:ext>
             </a:extLst>
           </p:cNvPr>
@@ -5295,13 +5303,13 @@
               </a:ext>
             </a:extLst>
           </a:blip>
-          <a:srcRect l="5643" t="7550" r="6527"/>
+          <a:srcRect l="4670" t="6278" b="12794"/>
           <a:stretch/>
         </p:blipFill>
         <p:spPr>
           <a:xfrm>
-            <a:off x="4402445" y="1489166"/>
-            <a:ext cx="7267199" cy="4115590"/>
+            <a:off x="3900900" y="1806382"/>
+            <a:ext cx="7942755" cy="3627767"/>
           </a:xfrm>
           <a:prstGeom prst="rect">
             <a:avLst/>
@@ -5311,7 +5319,7 @@
     </p:spTree>
     <p:extLst>
       <p:ext uri="{BB962C8B-B14F-4D97-AF65-F5344CB8AC3E}">
-        <p14:creationId xmlns:p14="http://schemas.microsoft.com/office/powerpoint/2010/main" val="1255234379"/>
+        <p14:creationId xmlns:p14="http://schemas.microsoft.com/office/powerpoint/2010/main" val="3601168706"/>
       </p:ext>
     </p:extLst>
   </p:cSld>
@@ -5517,7 +5525,7 @@
           <a:p>
             <a:r>
               <a:rPr lang="ko-KR" altLang="en-US" sz="2000" b="1" dirty="0"/>
-              <a:t>팀 및 유저 운동일지</a:t>
+              <a:t>팀 상세정보</a:t>
             </a:r>
             <a:endParaRPr lang="en-US" altLang="ko-KR" sz="2000" b="1" dirty="0"/>
           </a:p>
@@ -5538,7 +5546,7 @@
         <p:spPr>
           <a:xfrm>
             <a:off x="569347" y="2505027"/>
-            <a:ext cx="3645601" cy="1700787"/>
+            <a:ext cx="3645601" cy="869790"/>
           </a:xfrm>
           <a:prstGeom prst="rect">
             <a:avLst/>
@@ -5560,21 +5568,7 @@
             </a:pPr>
             <a:r>
               <a:rPr lang="ko-KR" altLang="en-US" dirty="0"/>
-              <a:t>팀</a:t>
-            </a:r>
-            <a:endParaRPr lang="en-US" altLang="ko-KR" dirty="0"/>
-          </a:p>
-          <a:p>
-            <a:pPr marL="742950" lvl="1" indent="-285750">
-              <a:lnSpc>
-                <a:spcPct val="150000"/>
-              </a:lnSpc>
-              <a:buFont typeface="Arial" panose="020B0604020202020204" pitchFamily="34" charset="0"/>
-              <a:buChar char="•"/>
-            </a:pPr>
-            <a:r>
-              <a:rPr lang="ko-KR" altLang="en-US" dirty="0"/>
-              <a:t>팀원 기록 월별 출력</a:t>
+              <a:t>팀 및 팀원 정보</a:t>
             </a:r>
             <a:endParaRPr lang="en-US" altLang="ko-KR" dirty="0"/>
           </a:p>
@@ -5588,21 +5582,11 @@
             </a:pPr>
             <a:r>
               <a:rPr lang="ko-KR" altLang="en-US" dirty="0"/>
-              <a:t>유저</a:t>
-            </a:r>
-            <a:endParaRPr lang="en-US" altLang="ko-KR" dirty="0"/>
-          </a:p>
-          <a:p>
-            <a:pPr marL="742950" lvl="1" indent="-285750">
-              <a:lnSpc>
-                <a:spcPct val="150000"/>
-              </a:lnSpc>
-              <a:buFont typeface="Arial" panose="020B0604020202020204" pitchFamily="34" charset="0"/>
-              <a:buChar char="•"/>
-            </a:pPr>
-            <a:r>
-              <a:rPr lang="ko-KR" altLang="en-US" dirty="0"/>
-              <a:t>유저 기록 월별 출력</a:t>
+              <a:t>주간 달성도의 </a:t>
+            </a:r>
+            <a:r>
+              <a:rPr lang="ko-KR" altLang="en-US" dirty="0" err="1"/>
+              <a:t>달성률</a:t>
             </a:r>
             <a:endParaRPr lang="en-US" altLang="ko-KR" dirty="0"/>
           </a:p>
@@ -5610,10 +5594,10 @@
       </p:sp>
       <p:pic>
         <p:nvPicPr>
-          <p:cNvPr id="4" name="그림 3" descr="텍스트, 스크린샷, 소프트웨어, 컴퓨터 아이콘이(가) 표시된 사진&#10;&#10;자동 생성된 설명">
-            <a:extLst>
-              <a:ext uri="{FF2B5EF4-FFF2-40B4-BE49-F238E27FC236}">
-                <a16:creationId xmlns:a16="http://schemas.microsoft.com/office/drawing/2014/main" id="{A96C63D4-A94B-A4E9-14B0-6EEC0AD50022}"/>
+          <p:cNvPr id="5" name="그림 4" descr="텍스트, 스크린샷, 소프트웨어, 웹 페이지이(가) 표시된 사진&#10;&#10;자동 생성된 설명">
+            <a:extLst>
+              <a:ext uri="{FF2B5EF4-FFF2-40B4-BE49-F238E27FC236}">
+                <a16:creationId xmlns:a16="http://schemas.microsoft.com/office/drawing/2014/main" id="{5DAB312A-B1B3-97DD-1F0C-1D5BE8822B25}"/>
               </a:ext>
             </a:extLst>
           </p:cNvPr>
@@ -5630,13 +5614,13 @@
               </a:ext>
             </a:extLst>
           </a:blip>
-          <a:srcRect l="5214" t="7816" r="3715" b="6278"/>
+          <a:srcRect l="5643" t="7550" r="6527"/>
           <a:stretch/>
         </p:blipFill>
         <p:spPr>
           <a:xfrm>
-            <a:off x="3924191" y="1480210"/>
-            <a:ext cx="7893340" cy="4005943"/>
+            <a:off x="4402445" y="1489166"/>
+            <a:ext cx="7267199" cy="4115590"/>
           </a:xfrm>
           <a:prstGeom prst="rect">
             <a:avLst/>
@@ -5646,7 +5630,7 @@
     </p:spTree>
     <p:extLst>
       <p:ext uri="{BB962C8B-B14F-4D97-AF65-F5344CB8AC3E}">
-        <p14:creationId xmlns:p14="http://schemas.microsoft.com/office/powerpoint/2010/main" val="2381519642"/>
+        <p14:creationId xmlns:p14="http://schemas.microsoft.com/office/powerpoint/2010/main" val="1255234379"/>
       </p:ext>
     </p:extLst>
   </p:cSld>
@@ -5852,6 +5836,341 @@
           <a:p>
             <a:r>
               <a:rPr lang="ko-KR" altLang="en-US" sz="2000" b="1" dirty="0"/>
+              <a:t>팀 및 유저 운동일지</a:t>
+            </a:r>
+            <a:endParaRPr lang="en-US" altLang="ko-KR" sz="2000" b="1" dirty="0"/>
+          </a:p>
+        </p:txBody>
+      </p:sp>
+      <p:sp>
+        <p:nvSpPr>
+          <p:cNvPr id="17" name="TextBox 16">
+            <a:extLst>
+              <a:ext uri="{FF2B5EF4-FFF2-40B4-BE49-F238E27FC236}">
+                <a16:creationId xmlns:a16="http://schemas.microsoft.com/office/drawing/2014/main" id="{A255FC6A-6B0F-F90D-8DD8-C6416A4308BB}"/>
+              </a:ext>
+            </a:extLst>
+          </p:cNvPr>
+          <p:cNvSpPr txBox="1"/>
+          <p:nvPr/>
+        </p:nvSpPr>
+        <p:spPr>
+          <a:xfrm>
+            <a:off x="569347" y="2505027"/>
+            <a:ext cx="3645601" cy="1700787"/>
+          </a:xfrm>
+          <a:prstGeom prst="rect">
+            <a:avLst/>
+          </a:prstGeom>
+          <a:noFill/>
+        </p:spPr>
+        <p:txBody>
+          <a:bodyPr wrap="square" rtlCol="0">
+            <a:spAutoFit/>
+          </a:bodyPr>
+          <a:lstStyle/>
+          <a:p>
+            <a:pPr marL="285750" indent="-285750">
+              <a:lnSpc>
+                <a:spcPct val="150000"/>
+              </a:lnSpc>
+              <a:buFont typeface="Arial" panose="020B0604020202020204" pitchFamily="34" charset="0"/>
+              <a:buChar char="•"/>
+            </a:pPr>
+            <a:r>
+              <a:rPr lang="ko-KR" altLang="en-US" dirty="0"/>
+              <a:t>팀</a:t>
+            </a:r>
+            <a:endParaRPr lang="en-US" altLang="ko-KR" dirty="0"/>
+          </a:p>
+          <a:p>
+            <a:pPr marL="742950" lvl="1" indent="-285750">
+              <a:lnSpc>
+                <a:spcPct val="150000"/>
+              </a:lnSpc>
+              <a:buFont typeface="Arial" panose="020B0604020202020204" pitchFamily="34" charset="0"/>
+              <a:buChar char="•"/>
+            </a:pPr>
+            <a:r>
+              <a:rPr lang="ko-KR" altLang="en-US" dirty="0"/>
+              <a:t>팀원 기록 월별 출력</a:t>
+            </a:r>
+            <a:endParaRPr lang="en-US" altLang="ko-KR" dirty="0"/>
+          </a:p>
+          <a:p>
+            <a:pPr marL="285750" indent="-285750">
+              <a:lnSpc>
+                <a:spcPct val="150000"/>
+              </a:lnSpc>
+              <a:buFont typeface="Arial" panose="020B0604020202020204" pitchFamily="34" charset="0"/>
+              <a:buChar char="•"/>
+            </a:pPr>
+            <a:r>
+              <a:rPr lang="ko-KR" altLang="en-US" dirty="0"/>
+              <a:t>유저</a:t>
+            </a:r>
+            <a:endParaRPr lang="en-US" altLang="ko-KR" dirty="0"/>
+          </a:p>
+          <a:p>
+            <a:pPr marL="742950" lvl="1" indent="-285750">
+              <a:lnSpc>
+                <a:spcPct val="150000"/>
+              </a:lnSpc>
+              <a:buFont typeface="Arial" panose="020B0604020202020204" pitchFamily="34" charset="0"/>
+              <a:buChar char="•"/>
+            </a:pPr>
+            <a:r>
+              <a:rPr lang="ko-KR" altLang="en-US" dirty="0"/>
+              <a:t>유저 기록 월별 출력</a:t>
+            </a:r>
+            <a:endParaRPr lang="en-US" altLang="ko-KR" dirty="0"/>
+          </a:p>
+        </p:txBody>
+      </p:sp>
+      <p:pic>
+        <p:nvPicPr>
+          <p:cNvPr id="4" name="그림 3" descr="텍스트, 스크린샷, 소프트웨어, 컴퓨터 아이콘이(가) 표시된 사진&#10;&#10;자동 생성된 설명">
+            <a:extLst>
+              <a:ext uri="{FF2B5EF4-FFF2-40B4-BE49-F238E27FC236}">
+                <a16:creationId xmlns:a16="http://schemas.microsoft.com/office/drawing/2014/main" id="{A96C63D4-A94B-A4E9-14B0-6EEC0AD50022}"/>
+              </a:ext>
+            </a:extLst>
+          </p:cNvPr>
+          <p:cNvPicPr>
+            <a:picLocks noChangeAspect="1"/>
+          </p:cNvPicPr>
+          <p:nvPr/>
+        </p:nvPicPr>
+        <p:blipFill rotWithShape="1">
+          <a:blip r:embed="rId2">
+            <a:extLst>
+              <a:ext uri="{28A0092B-C50C-407E-A947-70E740481C1C}">
+                <a14:useLocalDpi xmlns:a14="http://schemas.microsoft.com/office/drawing/2010/main" val="0"/>
+              </a:ext>
+            </a:extLst>
+          </a:blip>
+          <a:srcRect l="5214" t="7816" r="3715" b="6278"/>
+          <a:stretch/>
+        </p:blipFill>
+        <p:spPr>
+          <a:xfrm>
+            <a:off x="3924191" y="1480210"/>
+            <a:ext cx="7893340" cy="4005943"/>
+          </a:xfrm>
+          <a:prstGeom prst="rect">
+            <a:avLst/>
+          </a:prstGeom>
+        </p:spPr>
+      </p:pic>
+    </p:spTree>
+    <p:extLst>
+      <p:ext uri="{BB962C8B-B14F-4D97-AF65-F5344CB8AC3E}">
+        <p14:creationId xmlns:p14="http://schemas.microsoft.com/office/powerpoint/2010/main" val="2381519642"/>
+      </p:ext>
+    </p:extLst>
+  </p:cSld>
+  <p:clrMapOvr>
+    <a:masterClrMapping/>
+  </p:clrMapOvr>
+</p:sld>
+</file>
+
+<file path=ppt/slides/slide17.xml><?xml version="1.0" encoding="utf-8"?>
+<p:sld xmlns:a="http://schemas.openxmlformats.org/drawingml/2006/main" xmlns:r="http://schemas.openxmlformats.org/officeDocument/2006/relationships" xmlns:p="http://schemas.openxmlformats.org/presentationml/2006/main">
+  <p:cSld>
+    <p:spTree>
+      <p:nvGrpSpPr>
+        <p:cNvPr id="1" name=""/>
+        <p:cNvGrpSpPr/>
+        <p:nvPr/>
+      </p:nvGrpSpPr>
+      <p:grpSpPr>
+        <a:xfrm>
+          <a:off x="0" y="0"/>
+          <a:ext cx="0" cy="0"/>
+          <a:chOff x="0" y="0"/>
+          <a:chExt cx="0" cy="0"/>
+        </a:xfrm>
+      </p:grpSpPr>
+      <p:sp>
+        <p:nvSpPr>
+          <p:cNvPr id="20" name="직사각형 19">
+            <a:extLst>
+              <a:ext uri="{FF2B5EF4-FFF2-40B4-BE49-F238E27FC236}">
+                <a16:creationId xmlns:a16="http://schemas.microsoft.com/office/drawing/2014/main" id="{A9B6B148-2140-0048-4C1E-63437E64E32A}"/>
+              </a:ext>
+            </a:extLst>
+          </p:cNvPr>
+          <p:cNvSpPr/>
+          <p:nvPr/>
+        </p:nvSpPr>
+        <p:spPr>
+          <a:xfrm>
+            <a:off x="0" y="100623"/>
+            <a:ext cx="12192000" cy="108000"/>
+          </a:xfrm>
+          <a:prstGeom prst="rect">
+            <a:avLst/>
+          </a:prstGeom>
+          <a:solidFill>
+            <a:srgbClr val="FF4D15"/>
+          </a:solidFill>
+          <a:ln>
+            <a:noFill/>
+          </a:ln>
+          <a:effectLst>
+            <a:softEdge rad="31750"/>
+          </a:effectLst>
+        </p:spPr>
+        <p:style>
+          <a:lnRef idx="2">
+            <a:schemeClr val="accent1">
+              <a:shade val="50000"/>
+            </a:schemeClr>
+          </a:lnRef>
+          <a:fillRef idx="1">
+            <a:schemeClr val="accent1"/>
+          </a:fillRef>
+          <a:effectRef idx="0">
+            <a:schemeClr val="accent1"/>
+          </a:effectRef>
+          <a:fontRef idx="minor">
+            <a:schemeClr val="lt1"/>
+          </a:fontRef>
+        </p:style>
+        <p:txBody>
+          <a:bodyPr rtlCol="0" anchor="ctr"/>
+          <a:lstStyle/>
+          <a:p>
+            <a:pPr algn="ctr"/>
+            <a:endParaRPr lang="ko-KR" altLang="en-US" dirty="0"/>
+          </a:p>
+        </p:txBody>
+      </p:sp>
+      <p:sp>
+        <p:nvSpPr>
+          <p:cNvPr id="22" name="직사각형 21">
+            <a:extLst>
+              <a:ext uri="{FF2B5EF4-FFF2-40B4-BE49-F238E27FC236}">
+                <a16:creationId xmlns:a16="http://schemas.microsoft.com/office/drawing/2014/main" id="{1F6A593F-3630-36CB-87CF-F2E0B7B66195}"/>
+              </a:ext>
+            </a:extLst>
+          </p:cNvPr>
+          <p:cNvSpPr/>
+          <p:nvPr/>
+        </p:nvSpPr>
+        <p:spPr>
+          <a:xfrm>
+            <a:off x="0" y="6649376"/>
+            <a:ext cx="12192000" cy="108000"/>
+          </a:xfrm>
+          <a:prstGeom prst="rect">
+            <a:avLst/>
+          </a:prstGeom>
+          <a:solidFill>
+            <a:srgbClr val="FF4D15"/>
+          </a:solidFill>
+          <a:ln>
+            <a:noFill/>
+          </a:ln>
+          <a:effectLst>
+            <a:softEdge rad="31750"/>
+          </a:effectLst>
+        </p:spPr>
+        <p:style>
+          <a:lnRef idx="2">
+            <a:schemeClr val="accent1">
+              <a:shade val="50000"/>
+            </a:schemeClr>
+          </a:lnRef>
+          <a:fillRef idx="1">
+            <a:schemeClr val="accent1"/>
+          </a:fillRef>
+          <a:effectRef idx="0">
+            <a:schemeClr val="accent1"/>
+          </a:effectRef>
+          <a:fontRef idx="minor">
+            <a:schemeClr val="lt1"/>
+          </a:fontRef>
+        </p:style>
+        <p:txBody>
+          <a:bodyPr rtlCol="0" anchor="ctr"/>
+          <a:lstStyle/>
+          <a:p>
+            <a:pPr algn="ctr"/>
+            <a:endParaRPr lang="ko-KR" altLang="en-US" dirty="0"/>
+          </a:p>
+        </p:txBody>
+      </p:sp>
+      <p:sp>
+        <p:nvSpPr>
+          <p:cNvPr id="2" name="TextBox 1">
+            <a:extLst>
+              <a:ext uri="{FF2B5EF4-FFF2-40B4-BE49-F238E27FC236}">
+                <a16:creationId xmlns:a16="http://schemas.microsoft.com/office/drawing/2014/main" id="{5FE8D7BD-5529-F471-F38C-DB3F3BA08C02}"/>
+              </a:ext>
+            </a:extLst>
+          </p:cNvPr>
+          <p:cNvSpPr txBox="1"/>
+          <p:nvPr/>
+        </p:nvSpPr>
+        <p:spPr>
+          <a:xfrm>
+            <a:off x="795771" y="561057"/>
+            <a:ext cx="2264229" cy="553998"/>
+          </a:xfrm>
+          <a:prstGeom prst="rect">
+            <a:avLst/>
+          </a:prstGeom>
+          <a:noFill/>
+        </p:spPr>
+        <p:txBody>
+          <a:bodyPr wrap="square" rtlCol="0">
+            <a:spAutoFit/>
+          </a:bodyPr>
+          <a:lstStyle/>
+          <a:p>
+            <a:r>
+              <a:rPr lang="ko-KR" altLang="en-US" sz="3000" b="1" dirty="0">
+                <a:solidFill>
+                  <a:srgbClr val="FF6433"/>
+                </a:solidFill>
+              </a:rPr>
+              <a:t>주요 기능</a:t>
+            </a:r>
+          </a:p>
+        </p:txBody>
+      </p:sp>
+      <p:sp>
+        <p:nvSpPr>
+          <p:cNvPr id="16" name="TextBox 15">
+            <a:extLst>
+              <a:ext uri="{FF2B5EF4-FFF2-40B4-BE49-F238E27FC236}">
+                <a16:creationId xmlns:a16="http://schemas.microsoft.com/office/drawing/2014/main" id="{B5FE1D3A-3B7D-B3AB-BB08-594B5B8FE2AE}"/>
+              </a:ext>
+            </a:extLst>
+          </p:cNvPr>
+          <p:cNvSpPr txBox="1"/>
+          <p:nvPr/>
+        </p:nvSpPr>
+        <p:spPr>
+          <a:xfrm>
+            <a:off x="795771" y="1874218"/>
+            <a:ext cx="2934789" cy="400110"/>
+          </a:xfrm>
+          <a:prstGeom prst="rect">
+            <a:avLst/>
+          </a:prstGeom>
+          <a:noFill/>
+        </p:spPr>
+        <p:txBody>
+          <a:bodyPr wrap="square" rtlCol="0">
+            <a:spAutoFit/>
+          </a:bodyPr>
+          <a:lstStyle/>
+          <a:p>
+            <a:r>
+              <a:rPr lang="ko-KR" altLang="en-US" sz="2000" b="1" dirty="0"/>
               <a:t>오늘의 운동 기록</a:t>
             </a:r>
             <a:endParaRPr lang="en-US" altLang="ko-KR" sz="2000" b="1" dirty="0"/>
@@ -5975,7 +6294,7 @@
 </p:sld>
 </file>
 
-<file path=ppt/slides/slide17.xml><?xml version="1.0" encoding="utf-8"?>
+<file path=ppt/slides/slide18.xml><?xml version="1.0" encoding="utf-8"?>
 <p:sld xmlns:a="http://schemas.openxmlformats.org/drawingml/2006/main" xmlns:r="http://schemas.openxmlformats.org/officeDocument/2006/relationships" xmlns:p="http://schemas.openxmlformats.org/presentationml/2006/main">
   <p:cSld>
     <p:spTree>
@@ -6663,223 +6982,6 @@
 </p:sld>
 </file>
 
-<file path=ppt/slides/slide18.xml><?xml version="1.0" encoding="utf-8"?>
-<p:sld xmlns:a="http://schemas.openxmlformats.org/drawingml/2006/main" xmlns:r="http://schemas.openxmlformats.org/officeDocument/2006/relationships" xmlns:p="http://schemas.openxmlformats.org/presentationml/2006/main">
-  <p:cSld>
-    <p:spTree>
-      <p:nvGrpSpPr>
-        <p:cNvPr id="1" name=""/>
-        <p:cNvGrpSpPr/>
-        <p:nvPr/>
-      </p:nvGrpSpPr>
-      <p:grpSpPr>
-        <a:xfrm>
-          <a:off x="0" y="0"/>
-          <a:ext cx="0" cy="0"/>
-          <a:chOff x="0" y="0"/>
-          <a:chExt cx="0" cy="0"/>
-        </a:xfrm>
-      </p:grpSpPr>
-      <p:sp>
-        <p:nvSpPr>
-          <p:cNvPr id="20" name="직사각형 19">
-            <a:extLst>
-              <a:ext uri="{FF2B5EF4-FFF2-40B4-BE49-F238E27FC236}">
-                <a16:creationId xmlns:a16="http://schemas.microsoft.com/office/drawing/2014/main" id="{A9B6B148-2140-0048-4C1E-63437E64E32A}"/>
-              </a:ext>
-            </a:extLst>
-          </p:cNvPr>
-          <p:cNvSpPr/>
-          <p:nvPr/>
-        </p:nvSpPr>
-        <p:spPr>
-          <a:xfrm>
-            <a:off x="0" y="100623"/>
-            <a:ext cx="12192000" cy="108000"/>
-          </a:xfrm>
-          <a:prstGeom prst="rect">
-            <a:avLst/>
-          </a:prstGeom>
-          <a:solidFill>
-            <a:srgbClr val="FF4D15"/>
-          </a:solidFill>
-          <a:ln>
-            <a:noFill/>
-          </a:ln>
-          <a:effectLst>
-            <a:softEdge rad="31750"/>
-          </a:effectLst>
-        </p:spPr>
-        <p:style>
-          <a:lnRef idx="2">
-            <a:schemeClr val="accent1">
-              <a:shade val="50000"/>
-            </a:schemeClr>
-          </a:lnRef>
-          <a:fillRef idx="1">
-            <a:schemeClr val="accent1"/>
-          </a:fillRef>
-          <a:effectRef idx="0">
-            <a:schemeClr val="accent1"/>
-          </a:effectRef>
-          <a:fontRef idx="minor">
-            <a:schemeClr val="lt1"/>
-          </a:fontRef>
-        </p:style>
-        <p:txBody>
-          <a:bodyPr rtlCol="0" anchor="ctr"/>
-          <a:lstStyle/>
-          <a:p>
-            <a:pPr algn="ctr"/>
-            <a:endParaRPr lang="ko-KR" altLang="en-US" dirty="0"/>
-          </a:p>
-        </p:txBody>
-      </p:sp>
-      <p:sp>
-        <p:nvSpPr>
-          <p:cNvPr id="22" name="직사각형 21">
-            <a:extLst>
-              <a:ext uri="{FF2B5EF4-FFF2-40B4-BE49-F238E27FC236}">
-                <a16:creationId xmlns:a16="http://schemas.microsoft.com/office/drawing/2014/main" id="{1F6A593F-3630-36CB-87CF-F2E0B7B66195}"/>
-              </a:ext>
-            </a:extLst>
-          </p:cNvPr>
-          <p:cNvSpPr/>
-          <p:nvPr/>
-        </p:nvSpPr>
-        <p:spPr>
-          <a:xfrm>
-            <a:off x="0" y="6649376"/>
-            <a:ext cx="12192000" cy="108000"/>
-          </a:xfrm>
-          <a:prstGeom prst="rect">
-            <a:avLst/>
-          </a:prstGeom>
-          <a:solidFill>
-            <a:srgbClr val="FF4D15"/>
-          </a:solidFill>
-          <a:ln>
-            <a:noFill/>
-          </a:ln>
-          <a:effectLst>
-            <a:softEdge rad="31750"/>
-          </a:effectLst>
-        </p:spPr>
-        <p:style>
-          <a:lnRef idx="2">
-            <a:schemeClr val="accent1">
-              <a:shade val="50000"/>
-            </a:schemeClr>
-          </a:lnRef>
-          <a:fillRef idx="1">
-            <a:schemeClr val="accent1"/>
-          </a:fillRef>
-          <a:effectRef idx="0">
-            <a:schemeClr val="accent1"/>
-          </a:effectRef>
-          <a:fontRef idx="minor">
-            <a:schemeClr val="lt1"/>
-          </a:fontRef>
-        </p:style>
-        <p:txBody>
-          <a:bodyPr rtlCol="0" anchor="ctr"/>
-          <a:lstStyle/>
-          <a:p>
-            <a:pPr algn="ctr"/>
-            <a:endParaRPr lang="ko-KR" altLang="en-US" dirty="0"/>
-          </a:p>
-        </p:txBody>
-      </p:sp>
-      <p:sp>
-        <p:nvSpPr>
-          <p:cNvPr id="2" name="TextBox 1">
-            <a:extLst>
-              <a:ext uri="{FF2B5EF4-FFF2-40B4-BE49-F238E27FC236}">
-                <a16:creationId xmlns:a16="http://schemas.microsoft.com/office/drawing/2014/main" id="{5FE8D7BD-5529-F471-F38C-DB3F3BA08C02}"/>
-              </a:ext>
-            </a:extLst>
-          </p:cNvPr>
-          <p:cNvSpPr txBox="1"/>
-          <p:nvPr/>
-        </p:nvSpPr>
-        <p:spPr>
-          <a:xfrm>
-            <a:off x="795771" y="561057"/>
-            <a:ext cx="2264229" cy="553998"/>
-          </a:xfrm>
-          <a:prstGeom prst="rect">
-            <a:avLst/>
-          </a:prstGeom>
-          <a:noFill/>
-        </p:spPr>
-        <p:txBody>
-          <a:bodyPr wrap="square" rtlCol="0">
-            <a:spAutoFit/>
-          </a:bodyPr>
-          <a:lstStyle/>
-          <a:p>
-            <a:r>
-              <a:rPr lang="ko-KR" altLang="en-US" sz="3000" b="1" dirty="0">
-                <a:solidFill>
-                  <a:srgbClr val="FF6433"/>
-                </a:solidFill>
-              </a:rPr>
-              <a:t>시연</a:t>
-            </a:r>
-          </a:p>
-        </p:txBody>
-      </p:sp>
-      <p:sp>
-        <p:nvSpPr>
-          <p:cNvPr id="4" name="TextBox 3">
-            <a:extLst>
-              <a:ext uri="{FF2B5EF4-FFF2-40B4-BE49-F238E27FC236}">
-                <a16:creationId xmlns:a16="http://schemas.microsoft.com/office/drawing/2014/main" id="{BD28DAB4-7F0B-D305-D135-A1F3CC09D503}"/>
-              </a:ext>
-            </a:extLst>
-          </p:cNvPr>
-          <p:cNvSpPr txBox="1"/>
-          <p:nvPr/>
-        </p:nvSpPr>
-        <p:spPr>
-          <a:xfrm>
-            <a:off x="3553920" y="2991767"/>
-            <a:ext cx="5084160" cy="861774"/>
-          </a:xfrm>
-          <a:prstGeom prst="rect">
-            <a:avLst/>
-          </a:prstGeom>
-          <a:noFill/>
-        </p:spPr>
-        <p:txBody>
-          <a:bodyPr wrap="square">
-            <a:spAutoFit/>
-          </a:bodyPr>
-          <a:lstStyle/>
-          <a:p>
-            <a:r>
-              <a:rPr lang="en-US" altLang="ko-KR" sz="5000" dirty="0" err="1">
-                <a:hlinkClick r:id="rId2"/>
-              </a:rPr>
-              <a:t>fit_challenge_vue</a:t>
-            </a:r>
-            <a:endParaRPr lang="ko-KR" altLang="en-US" sz="5000" dirty="0"/>
-          </a:p>
-        </p:txBody>
-      </p:sp>
-    </p:spTree>
-    <p:extLst>
-      <p:ext uri="{BB962C8B-B14F-4D97-AF65-F5344CB8AC3E}">
-        <p14:creationId xmlns:p14="http://schemas.microsoft.com/office/powerpoint/2010/main" val="1482181709"/>
-      </p:ext>
-    </p:extLst>
-  </p:cSld>
-  <p:clrMapOvr>
-    <a:masterClrMapping/>
-  </p:clrMapOvr>
-</p:sld>
-</file>
-
 <file path=ppt/slides/slide19.xml><?xml version="1.0" encoding="utf-8"?>
 <p:sld xmlns:a="http://schemas.openxmlformats.org/drawingml/2006/main" xmlns:r="http://schemas.openxmlformats.org/officeDocument/2006/relationships" xmlns:p="http://schemas.openxmlformats.org/presentationml/2006/main">
   <p:cSld>
@@ -7009,10 +7111,10 @@
       </p:sp>
       <p:sp>
         <p:nvSpPr>
-          <p:cNvPr id="3" name="TextBox 2">
-            <a:extLst>
-              <a:ext uri="{FF2B5EF4-FFF2-40B4-BE49-F238E27FC236}">
-                <a16:creationId xmlns:a16="http://schemas.microsoft.com/office/drawing/2014/main" id="{912D21EA-8DD3-FA0D-5309-98CD50A19599}"/>
+          <p:cNvPr id="2" name="TextBox 1">
+            <a:extLst>
+              <a:ext uri="{FF2B5EF4-FFF2-40B4-BE49-F238E27FC236}">
+                <a16:creationId xmlns:a16="http://schemas.microsoft.com/office/drawing/2014/main" id="{5FE8D7BD-5529-F471-F38C-DB3F3BA08C02}"/>
               </a:ext>
             </a:extLst>
           </p:cNvPr>
@@ -7021,8 +7123,8 @@
         </p:nvSpPr>
         <p:spPr>
           <a:xfrm>
-            <a:off x="4441371" y="2767280"/>
-            <a:ext cx="3309257" cy="1323439"/>
+            <a:off x="795771" y="561057"/>
+            <a:ext cx="2264229" cy="553998"/>
           </a:xfrm>
           <a:prstGeom prst="rect">
             <a:avLst/>
@@ -7036,17 +7138,58 @@
           <a:lstStyle/>
           <a:p>
             <a:r>
-              <a:rPr lang="en-US" altLang="ko-KR" sz="8000" b="1" dirty="0"/>
-              <a:t>Q &amp; A</a:t>
-            </a:r>
-            <a:endParaRPr lang="ko-KR" altLang="en-US" sz="8000" b="1" dirty="0"/>
+              <a:rPr lang="ko-KR" altLang="en-US" sz="3000" b="1" dirty="0">
+                <a:solidFill>
+                  <a:srgbClr val="FF6433"/>
+                </a:solidFill>
+              </a:rPr>
+              <a:t>시연</a:t>
+            </a:r>
+          </a:p>
+        </p:txBody>
+      </p:sp>
+      <p:sp>
+        <p:nvSpPr>
+          <p:cNvPr id="4" name="TextBox 3">
+            <a:extLst>
+              <a:ext uri="{FF2B5EF4-FFF2-40B4-BE49-F238E27FC236}">
+                <a16:creationId xmlns:a16="http://schemas.microsoft.com/office/drawing/2014/main" id="{BD28DAB4-7F0B-D305-D135-A1F3CC09D503}"/>
+              </a:ext>
+            </a:extLst>
+          </p:cNvPr>
+          <p:cNvSpPr txBox="1"/>
+          <p:nvPr/>
+        </p:nvSpPr>
+        <p:spPr>
+          <a:xfrm>
+            <a:off x="3553920" y="2991767"/>
+            <a:ext cx="5084160" cy="861774"/>
+          </a:xfrm>
+          <a:prstGeom prst="rect">
+            <a:avLst/>
+          </a:prstGeom>
+          <a:noFill/>
+        </p:spPr>
+        <p:txBody>
+          <a:bodyPr wrap="square">
+            <a:spAutoFit/>
+          </a:bodyPr>
+          <a:lstStyle/>
+          <a:p>
+            <a:r>
+              <a:rPr lang="en-US" altLang="ko-KR" sz="5000" dirty="0" err="1">
+                <a:hlinkClick r:id="rId2"/>
+              </a:rPr>
+              <a:t>fit_challenge_vue</a:t>
+            </a:r>
+            <a:endParaRPr lang="ko-KR" altLang="en-US" sz="5000" dirty="0"/>
           </a:p>
         </p:txBody>
       </p:sp>
     </p:spTree>
     <p:extLst>
       <p:ext uri="{BB962C8B-B14F-4D97-AF65-F5344CB8AC3E}">
-        <p14:creationId xmlns:p14="http://schemas.microsoft.com/office/powerpoint/2010/main" val="2682982161"/>
+        <p14:creationId xmlns:p14="http://schemas.microsoft.com/office/powerpoint/2010/main" val="1482181709"/>
       </p:ext>
     </p:extLst>
   </p:cSld>
@@ -7355,7 +7498,7 @@
             </a:solidFill>
             <a:extLst>
               <a:ext uri="{C807C97D-BFC1-408E-A445-0C87EB9F89A2}">
-                <ask:lineSketchStyleProps xmlns:ask="http://schemas.microsoft.com/office/drawing/2018/sketchyshapes" xmlns="" sd="1219033472">
+                <ask:lineSketchStyleProps xmlns="" xmlns:ask="http://schemas.microsoft.com/office/drawing/2018/sketchyshapes" sd="1219033472">
                   <a:custGeom>
                     <a:avLst/>
                     <a:gdLst>
@@ -7494,7 +7637,7 @@
             </a:solidFill>
             <a:extLst>
               <a:ext uri="{C807C97D-BFC1-408E-A445-0C87EB9F89A2}">
-                <ask:lineSketchStyleProps xmlns:ask="http://schemas.microsoft.com/office/drawing/2018/sketchyshapes" xmlns="" sd="1219033472">
+                <ask:lineSketchStyleProps xmlns="" xmlns:ask="http://schemas.microsoft.com/office/drawing/2018/sketchyshapes" sd="1219033472">
                   <a:custGeom>
                     <a:avLst/>
                     <a:gdLst>
@@ -7633,7 +7776,7 @@
             </a:solidFill>
             <a:extLst>
               <a:ext uri="{C807C97D-BFC1-408E-A445-0C87EB9F89A2}">
-                <ask:lineSketchStyleProps xmlns:ask="http://schemas.microsoft.com/office/drawing/2018/sketchyshapes" xmlns="" sd="1219033472">
+                <ask:lineSketchStyleProps xmlns="" xmlns:ask="http://schemas.microsoft.com/office/drawing/2018/sketchyshapes" sd="1219033472">
                   <a:custGeom>
                     <a:avLst/>
                     <a:gdLst>
@@ -7772,7 +7915,7 @@
             </a:solidFill>
             <a:extLst>
               <a:ext uri="{C807C97D-BFC1-408E-A445-0C87EB9F89A2}">
-                <ask:lineSketchStyleProps xmlns:ask="http://schemas.microsoft.com/office/drawing/2018/sketchyshapes" xmlns="" sd="1219033472">
+                <ask:lineSketchStyleProps xmlns="" xmlns:ask="http://schemas.microsoft.com/office/drawing/2018/sketchyshapes" sd="1219033472">
                   <a:custGeom>
                     <a:avLst/>
                     <a:gdLst>
@@ -7916,7 +8059,7 @@
             </a:solidFill>
             <a:extLst>
               <a:ext uri="{C807C97D-BFC1-408E-A445-0C87EB9F89A2}">
-                <ask:lineSketchStyleProps xmlns:ask="http://schemas.microsoft.com/office/drawing/2018/sketchyshapes" xmlns="" sd="1219033472">
+                <ask:lineSketchStyleProps xmlns="" xmlns:ask="http://schemas.microsoft.com/office/drawing/2018/sketchyshapes" sd="1219033472">
                   <a:custGeom>
                     <a:avLst/>
                     <a:gdLst>
@@ -8055,7 +8198,7 @@
             </a:solidFill>
             <a:extLst>
               <a:ext uri="{C807C97D-BFC1-408E-A445-0C87EB9F89A2}">
-                <ask:lineSketchStyleProps xmlns:ask="http://schemas.microsoft.com/office/drawing/2018/sketchyshapes" xmlns="" sd="1219033472">
+                <ask:lineSketchStyleProps xmlns="" xmlns:ask="http://schemas.microsoft.com/office/drawing/2018/sketchyshapes" sd="1219033472">
                   <a:custGeom>
                     <a:avLst/>
                     <a:gdLst>
@@ -8230,6 +8373,182 @@
 </p:sld>
 </file>
 
+<file path=ppt/slides/slide20.xml><?xml version="1.0" encoding="utf-8"?>
+<p:sld xmlns:a="http://schemas.openxmlformats.org/drawingml/2006/main" xmlns:r="http://schemas.openxmlformats.org/officeDocument/2006/relationships" xmlns:p="http://schemas.openxmlformats.org/presentationml/2006/main">
+  <p:cSld>
+    <p:spTree>
+      <p:nvGrpSpPr>
+        <p:cNvPr id="1" name=""/>
+        <p:cNvGrpSpPr/>
+        <p:nvPr/>
+      </p:nvGrpSpPr>
+      <p:grpSpPr>
+        <a:xfrm>
+          <a:off x="0" y="0"/>
+          <a:ext cx="0" cy="0"/>
+          <a:chOff x="0" y="0"/>
+          <a:chExt cx="0" cy="0"/>
+        </a:xfrm>
+      </p:grpSpPr>
+      <p:sp>
+        <p:nvSpPr>
+          <p:cNvPr id="20" name="직사각형 19">
+            <a:extLst>
+              <a:ext uri="{FF2B5EF4-FFF2-40B4-BE49-F238E27FC236}">
+                <a16:creationId xmlns:a16="http://schemas.microsoft.com/office/drawing/2014/main" id="{A9B6B148-2140-0048-4C1E-63437E64E32A}"/>
+              </a:ext>
+            </a:extLst>
+          </p:cNvPr>
+          <p:cNvSpPr/>
+          <p:nvPr/>
+        </p:nvSpPr>
+        <p:spPr>
+          <a:xfrm>
+            <a:off x="0" y="100623"/>
+            <a:ext cx="12192000" cy="108000"/>
+          </a:xfrm>
+          <a:prstGeom prst="rect">
+            <a:avLst/>
+          </a:prstGeom>
+          <a:solidFill>
+            <a:srgbClr val="FF4D15"/>
+          </a:solidFill>
+          <a:ln>
+            <a:noFill/>
+          </a:ln>
+          <a:effectLst>
+            <a:softEdge rad="31750"/>
+          </a:effectLst>
+        </p:spPr>
+        <p:style>
+          <a:lnRef idx="2">
+            <a:schemeClr val="accent1">
+              <a:shade val="50000"/>
+            </a:schemeClr>
+          </a:lnRef>
+          <a:fillRef idx="1">
+            <a:schemeClr val="accent1"/>
+          </a:fillRef>
+          <a:effectRef idx="0">
+            <a:schemeClr val="accent1"/>
+          </a:effectRef>
+          <a:fontRef idx="minor">
+            <a:schemeClr val="lt1"/>
+          </a:fontRef>
+        </p:style>
+        <p:txBody>
+          <a:bodyPr rtlCol="0" anchor="ctr"/>
+          <a:lstStyle/>
+          <a:p>
+            <a:pPr algn="ctr"/>
+            <a:endParaRPr lang="ko-KR" altLang="en-US" dirty="0"/>
+          </a:p>
+        </p:txBody>
+      </p:sp>
+      <p:sp>
+        <p:nvSpPr>
+          <p:cNvPr id="22" name="직사각형 21">
+            <a:extLst>
+              <a:ext uri="{FF2B5EF4-FFF2-40B4-BE49-F238E27FC236}">
+                <a16:creationId xmlns:a16="http://schemas.microsoft.com/office/drawing/2014/main" id="{1F6A593F-3630-36CB-87CF-F2E0B7B66195}"/>
+              </a:ext>
+            </a:extLst>
+          </p:cNvPr>
+          <p:cNvSpPr/>
+          <p:nvPr/>
+        </p:nvSpPr>
+        <p:spPr>
+          <a:xfrm>
+            <a:off x="0" y="6649376"/>
+            <a:ext cx="12192000" cy="108000"/>
+          </a:xfrm>
+          <a:prstGeom prst="rect">
+            <a:avLst/>
+          </a:prstGeom>
+          <a:solidFill>
+            <a:srgbClr val="FF4D15"/>
+          </a:solidFill>
+          <a:ln>
+            <a:noFill/>
+          </a:ln>
+          <a:effectLst>
+            <a:softEdge rad="31750"/>
+          </a:effectLst>
+        </p:spPr>
+        <p:style>
+          <a:lnRef idx="2">
+            <a:schemeClr val="accent1">
+              <a:shade val="50000"/>
+            </a:schemeClr>
+          </a:lnRef>
+          <a:fillRef idx="1">
+            <a:schemeClr val="accent1"/>
+          </a:fillRef>
+          <a:effectRef idx="0">
+            <a:schemeClr val="accent1"/>
+          </a:effectRef>
+          <a:fontRef idx="minor">
+            <a:schemeClr val="lt1"/>
+          </a:fontRef>
+        </p:style>
+        <p:txBody>
+          <a:bodyPr rtlCol="0" anchor="ctr"/>
+          <a:lstStyle/>
+          <a:p>
+            <a:pPr algn="ctr"/>
+            <a:endParaRPr lang="ko-KR" altLang="en-US" dirty="0"/>
+          </a:p>
+        </p:txBody>
+      </p:sp>
+      <p:sp>
+        <p:nvSpPr>
+          <p:cNvPr id="3" name="TextBox 2">
+            <a:extLst>
+              <a:ext uri="{FF2B5EF4-FFF2-40B4-BE49-F238E27FC236}">
+                <a16:creationId xmlns:a16="http://schemas.microsoft.com/office/drawing/2014/main" id="{912D21EA-8DD3-FA0D-5309-98CD50A19599}"/>
+              </a:ext>
+            </a:extLst>
+          </p:cNvPr>
+          <p:cNvSpPr txBox="1"/>
+          <p:nvPr/>
+        </p:nvSpPr>
+        <p:spPr>
+          <a:xfrm>
+            <a:off x="4441371" y="2767280"/>
+            <a:ext cx="3309257" cy="1323439"/>
+          </a:xfrm>
+          <a:prstGeom prst="rect">
+            <a:avLst/>
+          </a:prstGeom>
+          <a:noFill/>
+        </p:spPr>
+        <p:txBody>
+          <a:bodyPr wrap="square" rtlCol="0">
+            <a:spAutoFit/>
+          </a:bodyPr>
+          <a:lstStyle/>
+          <a:p>
+            <a:r>
+              <a:rPr lang="en-US" altLang="ko-KR" sz="8000" b="1" dirty="0"/>
+              <a:t>Q &amp; A</a:t>
+            </a:r>
+            <a:endParaRPr lang="ko-KR" altLang="en-US" sz="8000" b="1" dirty="0"/>
+          </a:p>
+        </p:txBody>
+      </p:sp>
+    </p:spTree>
+    <p:extLst>
+      <p:ext uri="{BB962C8B-B14F-4D97-AF65-F5344CB8AC3E}">
+        <p14:creationId xmlns:p14="http://schemas.microsoft.com/office/powerpoint/2010/main" val="2682982161"/>
+      </p:ext>
+    </p:extLst>
+  </p:cSld>
+  <p:clrMapOvr>
+    <a:masterClrMapping/>
+  </p:clrMapOvr>
+</p:sld>
+</file>
+
 <file path=ppt/slides/slide3.xml><?xml version="1.0" encoding="utf-8"?>
 <p:sld xmlns:a="http://schemas.openxmlformats.org/drawingml/2006/main" xmlns:r="http://schemas.openxmlformats.org/officeDocument/2006/relationships" xmlns:p="http://schemas.openxmlformats.org/presentationml/2006/main">
   <p:cSld>
@@ -8938,60 +9257,24 @@
             <a:r>
               <a:rPr lang="ko-KR" altLang="en-US" sz="3000" b="1" dirty="0">
                 <a:solidFill>
-                  <a:srgbClr val="FF6433"/>
+                  <a:srgbClr val="FF521B"/>
                 </a:solidFill>
               </a:rPr>
-              <a:t>기획 과정</a:t>
-            </a:r>
-          </a:p>
-        </p:txBody>
-      </p:sp>
-      <p:pic>
-        <p:nvPicPr>
-          <p:cNvPr id="15" name="그림 14">
-            <a:extLst>
-              <a:ext uri="{FF2B5EF4-FFF2-40B4-BE49-F238E27FC236}">
-                <a16:creationId xmlns:a16="http://schemas.microsoft.com/office/drawing/2014/main" id="{F2AFB8C9-917A-C9EA-52DC-0E2BA62557C9}"/>
-              </a:ext>
-            </a:extLst>
-          </p:cNvPr>
-          <p:cNvPicPr>
-            <a:picLocks noChangeAspect="1"/>
-          </p:cNvPicPr>
-          <p:nvPr/>
-        </p:nvPicPr>
-        <p:blipFill>
-          <a:blip r:embed="rId2"/>
-          <a:stretch>
-            <a:fillRect/>
-          </a:stretch>
-        </p:blipFill>
-        <p:spPr>
-          <a:xfrm>
-            <a:off x="4082558" y="1617688"/>
-            <a:ext cx="7072640" cy="4377306"/>
-          </a:xfrm>
-          <a:prstGeom prst="rect">
-            <a:avLst/>
-          </a:prstGeom>
-        </p:spPr>
-      </p:pic>
-      <p:sp>
-        <p:nvSpPr>
-          <p:cNvPr id="16" name="TextBox 15">
-            <a:extLst>
-              <a:ext uri="{FF2B5EF4-FFF2-40B4-BE49-F238E27FC236}">
-                <a16:creationId xmlns:a16="http://schemas.microsoft.com/office/drawing/2014/main" id="{B5FE1D3A-3B7D-B3AB-BB08-594B5B8FE2AE}"/>
-              </a:ext>
-            </a:extLst>
-          </p:cNvPr>
+              <a:t>기획 배경</a:t>
+            </a:r>
+          </a:p>
+        </p:txBody>
+      </p:sp>
+      <p:sp>
+        <p:nvSpPr>
+          <p:cNvPr id="3" name="TextBox 2"/>
           <p:cNvSpPr txBox="1"/>
           <p:nvPr/>
         </p:nvSpPr>
         <p:spPr>
           <a:xfrm>
-            <a:off x="795771" y="1874218"/>
-            <a:ext cx="2934789" cy="400110"/>
+            <a:off x="3743498" y="2136372"/>
+            <a:ext cx="4705003" cy="2862322"/>
           </a:xfrm>
           <a:prstGeom prst="rect">
             <a:avLst/>
@@ -9004,97 +9287,61 @@
           </a:bodyPr>
           <a:lstStyle/>
           <a:p>
-            <a:r>
-              <a:rPr lang="ko-KR" altLang="en-US" sz="2000" b="1" dirty="0"/>
-              <a:t>페이지 명세서</a:t>
-            </a:r>
-            <a:endParaRPr lang="en-US" altLang="ko-KR" sz="2000" b="1" dirty="0"/>
-          </a:p>
-        </p:txBody>
-      </p:sp>
-      <p:sp>
-        <p:nvSpPr>
-          <p:cNvPr id="17" name="TextBox 16">
-            <a:extLst>
-              <a:ext uri="{FF2B5EF4-FFF2-40B4-BE49-F238E27FC236}">
-                <a16:creationId xmlns:a16="http://schemas.microsoft.com/office/drawing/2014/main" id="{A255FC6A-6B0F-F90D-8DD8-C6416A4308BB}"/>
-              </a:ext>
-            </a:extLst>
-          </p:cNvPr>
-          <p:cNvSpPr txBox="1"/>
-          <p:nvPr/>
-        </p:nvSpPr>
-        <p:spPr>
-          <a:xfrm>
-            <a:off x="569348" y="2505027"/>
-            <a:ext cx="3387634" cy="1285288"/>
-          </a:xfrm>
-          <a:prstGeom prst="rect">
-            <a:avLst/>
-          </a:prstGeom>
-          <a:noFill/>
-        </p:spPr>
-        <p:txBody>
-          <a:bodyPr wrap="square" rtlCol="0">
-            <a:spAutoFit/>
-          </a:bodyPr>
-          <a:lstStyle/>
-          <a:p>
             <a:pPr marL="285750" indent="-285750">
               <a:lnSpc>
-                <a:spcPct val="150000"/>
+                <a:spcPct val="200000"/>
               </a:lnSpc>
-              <a:buFont typeface="Arial" panose="020B0604020202020204" pitchFamily="34" charset="0"/>
-              <a:buChar char="•"/>
+              <a:buFont typeface="Wingdings" panose="05000000000000000000" pitchFamily="2" charset="2"/>
+              <a:buChar char="ü"/>
             </a:pPr>
             <a:r>
-              <a:rPr lang="ko-KR" altLang="en-US" dirty="0"/>
-              <a:t>서비스 방향성</a:t>
-            </a:r>
-            <a:endParaRPr lang="en-US" altLang="ko-KR" dirty="0"/>
+              <a:rPr lang="ko-KR" altLang="en-US" sz="3000" b="1" dirty="0" smtClean="0">
+                <a:sym typeface="Wingdings" panose="05000000000000000000" pitchFamily="2" charset="2"/>
+              </a:rPr>
+              <a:t> 운동 한정 서비스</a:t>
+            </a:r>
+            <a:endParaRPr lang="en-US" altLang="ko-KR" sz="3000" b="1" dirty="0" smtClean="0">
+              <a:sym typeface="Wingdings" panose="05000000000000000000" pitchFamily="2" charset="2"/>
+            </a:endParaRPr>
           </a:p>
           <a:p>
             <a:pPr marL="285750" indent="-285750">
               <a:lnSpc>
-                <a:spcPct val="150000"/>
+                <a:spcPct val="200000"/>
               </a:lnSpc>
-              <a:buFont typeface="Arial" panose="020B0604020202020204" pitchFamily="34" charset="0"/>
-              <a:buChar char="•"/>
+              <a:buFont typeface="Wingdings" panose="05000000000000000000" pitchFamily="2" charset="2"/>
+              <a:buChar char="ü"/>
             </a:pPr>
             <a:r>
-              <a:rPr lang="ko-KR" altLang="en-US" dirty="0"/>
-              <a:t>페이지 구성</a:t>
-            </a:r>
-            <a:endParaRPr lang="en-US" altLang="ko-KR" dirty="0"/>
+              <a:rPr lang="ko-KR" altLang="en-US" sz="3000" b="1" dirty="0" smtClean="0"/>
+              <a:t> 오락적 요소의 동기부여</a:t>
+            </a:r>
+            <a:endParaRPr lang="en-US" altLang="ko-KR" sz="3000" b="1" dirty="0" smtClean="0"/>
           </a:p>
           <a:p>
             <a:pPr marL="285750" indent="-285750">
               <a:lnSpc>
-                <a:spcPct val="150000"/>
+                <a:spcPct val="200000"/>
               </a:lnSpc>
-              <a:buFont typeface="Arial" panose="020B0604020202020204" pitchFamily="34" charset="0"/>
-              <a:buChar char="•"/>
+              <a:buFont typeface="Wingdings" panose="05000000000000000000" pitchFamily="2" charset="2"/>
+              <a:buChar char="ü"/>
             </a:pPr>
             <a:r>
-              <a:rPr lang="ko-KR" altLang="en-US" dirty="0"/>
-              <a:t>필요한 </a:t>
-            </a:r>
-            <a:r>
-              <a:rPr lang="en-US" altLang="ko-KR" dirty="0"/>
-              <a:t>API </a:t>
-            </a:r>
-            <a:r>
-              <a:rPr lang="ko-KR" altLang="en-US" dirty="0"/>
-              <a:t>와 데이터 파악</a:t>
-            </a:r>
-            <a:endParaRPr lang="en-US" altLang="ko-KR" dirty="0"/>
+              <a:rPr lang="en-US" altLang="ko-KR" sz="3000" b="1" dirty="0" smtClean="0"/>
+              <a:t> </a:t>
+            </a:r>
+            <a:r>
+              <a:rPr lang="ko-KR" altLang="en-US" sz="3000" b="1" dirty="0" smtClean="0"/>
+              <a:t>비대면</a:t>
+            </a:r>
+            <a:endParaRPr lang="ko-KR" altLang="en-US" sz="3000" b="1" dirty="0"/>
           </a:p>
         </p:txBody>
       </p:sp>
     </p:spTree>
     <p:extLst>
       <p:ext uri="{BB962C8B-B14F-4D97-AF65-F5344CB8AC3E}">
-        <p14:creationId xmlns:p14="http://schemas.microsoft.com/office/powerpoint/2010/main" val="3654449438"/>
+        <p14:creationId xmlns:p14="http://schemas.microsoft.com/office/powerpoint/2010/main" val="1437851048"/>
       </p:ext>
     </p:extLst>
   </p:cSld>
@@ -9270,6 +9517,36 @@
           </a:p>
         </p:txBody>
       </p:sp>
+      <p:pic>
+        <p:nvPicPr>
+          <p:cNvPr id="15" name="그림 14">
+            <a:extLst>
+              <a:ext uri="{FF2B5EF4-FFF2-40B4-BE49-F238E27FC236}">
+                <a16:creationId xmlns:a16="http://schemas.microsoft.com/office/drawing/2014/main" id="{F2AFB8C9-917A-C9EA-52DC-0E2BA62557C9}"/>
+              </a:ext>
+            </a:extLst>
+          </p:cNvPr>
+          <p:cNvPicPr>
+            <a:picLocks noChangeAspect="1"/>
+          </p:cNvPicPr>
+          <p:nvPr/>
+        </p:nvPicPr>
+        <p:blipFill>
+          <a:blip r:embed="rId2"/>
+          <a:stretch>
+            <a:fillRect/>
+          </a:stretch>
+        </p:blipFill>
+        <p:spPr>
+          <a:xfrm>
+            <a:off x="4082558" y="1617688"/>
+            <a:ext cx="7072640" cy="4377306"/>
+          </a:xfrm>
+          <a:prstGeom prst="rect">
+            <a:avLst/>
+          </a:prstGeom>
+        </p:spPr>
+      </p:pic>
       <p:sp>
         <p:nvSpPr>
           <p:cNvPr id="16" name="TextBox 15">
@@ -9299,9 +9576,10 @@
           <a:lstStyle/>
           <a:p>
             <a:r>
-              <a:rPr lang="en-US" altLang="ko-KR" sz="2000" b="1" dirty="0"/>
-              <a:t>DATABASE</a:t>
-            </a:r>
+              <a:rPr lang="ko-KR" altLang="en-US" sz="2000" b="1" dirty="0"/>
+              <a:t>페이지 명세서</a:t>
+            </a:r>
+            <a:endParaRPr lang="en-US" altLang="ko-KR" sz="2000" b="1" dirty="0"/>
           </a:p>
         </p:txBody>
       </p:sp>
@@ -9320,7 +9598,7 @@
         <p:spPr>
           <a:xfrm>
             <a:off x="569348" y="2505027"/>
-            <a:ext cx="3387634" cy="1700787"/>
+            <a:ext cx="3387634" cy="1285288"/>
           </a:xfrm>
           <a:prstGeom prst="rect">
             <a:avLst/>
@@ -9342,7 +9620,7 @@
             </a:pPr>
             <a:r>
               <a:rPr lang="ko-KR" altLang="en-US" dirty="0"/>
-              <a:t>정규화</a:t>
+              <a:t>서비스 방향성</a:t>
             </a:r>
             <a:endParaRPr lang="en-US" altLang="ko-KR" dirty="0"/>
           </a:p>
@@ -9355,12 +9633,8 @@
               <a:buChar char="•"/>
             </a:pPr>
             <a:r>
-              <a:rPr lang="ko-KR" altLang="en-US" dirty="0" err="1"/>
-              <a:t>변수명</a:t>
-            </a:r>
-            <a:r>
               <a:rPr lang="ko-KR" altLang="en-US" dirty="0"/>
-              <a:t> 설정</a:t>
+              <a:t>페이지 구성</a:t>
             </a:r>
             <a:endParaRPr lang="en-US" altLang="ko-KR" dirty="0"/>
           </a:p>
@@ -9374,60 +9648,24 @@
             </a:pPr>
             <a:r>
               <a:rPr lang="ko-KR" altLang="en-US" dirty="0"/>
-              <a:t>테이블간 관계</a:t>
+              <a:t>필요한 </a:t>
+            </a:r>
+            <a:r>
+              <a:rPr lang="en-US" altLang="ko-KR" dirty="0"/>
+              <a:t>API </a:t>
+            </a:r>
+            <a:r>
+              <a:rPr lang="ko-KR" altLang="en-US" dirty="0"/>
+              <a:t>와 데이터 파악</a:t>
             </a:r>
             <a:endParaRPr lang="en-US" altLang="ko-KR" dirty="0"/>
           </a:p>
-          <a:p>
-            <a:pPr marL="285750" indent="-285750">
-              <a:lnSpc>
-                <a:spcPct val="150000"/>
-              </a:lnSpc>
-              <a:buFont typeface="Arial" panose="020B0604020202020204" pitchFamily="34" charset="0"/>
-              <a:buChar char="•"/>
-            </a:pPr>
-            <a:r>
-              <a:rPr lang="ko-KR" altLang="en-US" dirty="0"/>
-              <a:t>외래 키 설정</a:t>
-            </a:r>
-            <a:endParaRPr lang="en-US" altLang="ko-KR" dirty="0"/>
-          </a:p>
-        </p:txBody>
-      </p:sp>
-      <p:pic>
-        <p:nvPicPr>
-          <p:cNvPr id="4" name="그림 3"/>
-          <p:cNvPicPr>
-            <a:picLocks noChangeAspect="1"/>
-          </p:cNvPicPr>
-          <p:nvPr/>
-        </p:nvPicPr>
-        <p:blipFill>
-          <a:blip r:embed="rId2">
-            <a:extLst>
-              <a:ext uri="{28A0092B-C50C-407E-A947-70E740481C1C}">
-                <a14:useLocalDpi xmlns:a14="http://schemas.microsoft.com/office/drawing/2010/main" val="0"/>
-              </a:ext>
-            </a:extLst>
-          </a:blip>
-          <a:stretch>
-            <a:fillRect/>
-          </a:stretch>
-        </p:blipFill>
-        <p:spPr>
-          <a:xfrm>
-            <a:off x="5420902" y="1115055"/>
-            <a:ext cx="5156846" cy="4894440"/>
-          </a:xfrm>
-          <a:prstGeom prst="rect">
-            <a:avLst/>
-          </a:prstGeom>
-        </p:spPr>
-      </p:pic>
+        </p:txBody>
+      </p:sp>
     </p:spTree>
     <p:extLst>
       <p:ext uri="{BB962C8B-B14F-4D97-AF65-F5344CB8AC3E}">
-        <p14:creationId xmlns:p14="http://schemas.microsoft.com/office/powerpoint/2010/main" val="1504157296"/>
+        <p14:creationId xmlns:p14="http://schemas.microsoft.com/office/powerpoint/2010/main" val="3654449438"/>
       </p:ext>
     </p:extLst>
   </p:cSld>
@@ -9633,13 +9871,8 @@
           <a:p>
             <a:r>
               <a:rPr lang="en-US" altLang="ko-KR" sz="2000" b="1" dirty="0"/>
-              <a:t>API </a:t>
-            </a:r>
-            <a:r>
-              <a:rPr lang="ko-KR" altLang="en-US" sz="2000" b="1" dirty="0"/>
-              <a:t>명세서</a:t>
-            </a:r>
-            <a:endParaRPr lang="en-US" altLang="ko-KR" sz="2000" b="1" dirty="0"/>
+              <a:t>DATABASE</a:t>
+            </a:r>
           </a:p>
         </p:txBody>
       </p:sp>
@@ -9658,7 +9891,7 @@
         <p:spPr>
           <a:xfrm>
             <a:off x="569348" y="2505027"/>
-            <a:ext cx="3387634" cy="1285288"/>
+            <a:ext cx="3387634" cy="1700787"/>
           </a:xfrm>
           <a:prstGeom prst="rect">
             <a:avLst/>
@@ -9680,7 +9913,7 @@
             </a:pPr>
             <a:r>
               <a:rPr lang="ko-KR" altLang="en-US" dirty="0"/>
-              <a:t>전체적인 기능 구성</a:t>
+              <a:t>정규화</a:t>
             </a:r>
             <a:endParaRPr lang="en-US" altLang="ko-KR" dirty="0"/>
           </a:p>
@@ -9692,6 +9925,14 @@
               <a:buFont typeface="Arial" panose="020B0604020202020204" pitchFamily="34" charset="0"/>
               <a:buChar char="•"/>
             </a:pPr>
+            <a:r>
+              <a:rPr lang="ko-KR" altLang="en-US" dirty="0" err="1"/>
+              <a:t>변수명</a:t>
+            </a:r>
+            <a:r>
+              <a:rPr lang="ko-KR" altLang="en-US" dirty="0"/>
+              <a:t> 설정</a:t>
+            </a:r>
             <a:endParaRPr lang="en-US" altLang="ko-KR" dirty="0"/>
           </a:p>
           <a:p>
@@ -9702,13 +9943,31 @@
               <a:buFont typeface="Arial" panose="020B0604020202020204" pitchFamily="34" charset="0"/>
               <a:buChar char="•"/>
             </a:pPr>
+            <a:r>
+              <a:rPr lang="ko-KR" altLang="en-US" dirty="0"/>
+              <a:t>테이블간 관계</a:t>
+            </a:r>
+            <a:endParaRPr lang="en-US" altLang="ko-KR" dirty="0"/>
+          </a:p>
+          <a:p>
+            <a:pPr marL="285750" indent="-285750">
+              <a:lnSpc>
+                <a:spcPct val="150000"/>
+              </a:lnSpc>
+              <a:buFont typeface="Arial" panose="020B0604020202020204" pitchFamily="34" charset="0"/>
+              <a:buChar char="•"/>
+            </a:pPr>
+            <a:r>
+              <a:rPr lang="ko-KR" altLang="en-US" dirty="0"/>
+              <a:t>외래 키 설정</a:t>
+            </a:r>
             <a:endParaRPr lang="en-US" altLang="ko-KR" dirty="0"/>
           </a:p>
         </p:txBody>
       </p:sp>
       <p:pic>
         <p:nvPicPr>
-          <p:cNvPr id="3" name="그림 2"/>
+          <p:cNvPr id="4" name="그림 3"/>
           <p:cNvPicPr>
             <a:picLocks noChangeAspect="1"/>
           </p:cNvPicPr>
@@ -9728,8 +9987,8 @@
         </p:blipFill>
         <p:spPr>
           <a:xfrm>
-            <a:off x="3323160" y="2033592"/>
-            <a:ext cx="8551025" cy="3440793"/>
+            <a:off x="5420902" y="1115055"/>
+            <a:ext cx="5156846" cy="4894440"/>
           </a:xfrm>
           <a:prstGeom prst="rect">
             <a:avLst/>
@@ -9739,7 +9998,7 @@
     </p:spTree>
     <p:extLst>
       <p:ext uri="{BB962C8B-B14F-4D97-AF65-F5344CB8AC3E}">
-        <p14:creationId xmlns:p14="http://schemas.microsoft.com/office/powerpoint/2010/main" val="1933774194"/>
+        <p14:creationId xmlns:p14="http://schemas.microsoft.com/office/powerpoint/2010/main" val="1504157296"/>
       </p:ext>
     </p:extLst>
   </p:cSld>
@@ -9944,17 +10203,14 @@
           <a:lstStyle/>
           <a:p>
             <a:r>
-              <a:rPr lang="ko-KR" altLang="en-US" sz="2000" b="1" dirty="0" err="1"/>
-              <a:t>목업</a:t>
+              <a:rPr lang="en-US" altLang="ko-KR" sz="2000" b="1" dirty="0"/>
+              <a:t>API </a:t>
             </a:r>
             <a:r>
               <a:rPr lang="ko-KR" altLang="en-US" sz="2000" b="1" dirty="0"/>
-              <a:t> </a:t>
-            </a:r>
-            <a:r>
-              <a:rPr lang="en-US" altLang="ko-KR" sz="2000" b="1" dirty="0"/>
-              <a:t>(Figma)</a:t>
-            </a:r>
+              <a:t>명세서</a:t>
+            </a:r>
+            <a:endParaRPr lang="en-US" altLang="ko-KR" sz="2000" b="1" dirty="0"/>
           </a:p>
         </p:txBody>
       </p:sp>
@@ -9995,7 +10251,7 @@
             </a:pPr>
             <a:r>
               <a:rPr lang="ko-KR" altLang="en-US" dirty="0"/>
-              <a:t>페이지 구성</a:t>
+              <a:t>전체적인 기능 구성</a:t>
             </a:r>
             <a:endParaRPr lang="en-US" altLang="ko-KR" dirty="0"/>
           </a:p>
@@ -10007,10 +10263,6 @@
               <a:buFont typeface="Arial" panose="020B0604020202020204" pitchFamily="34" charset="0"/>
               <a:buChar char="•"/>
             </a:pPr>
-            <a:r>
-              <a:rPr lang="ko-KR" altLang="en-US" dirty="0"/>
-              <a:t>페이지 별 상호작용</a:t>
-            </a:r>
             <a:endParaRPr lang="en-US" altLang="ko-KR" dirty="0"/>
           </a:p>
           <a:p>
@@ -10021,29 +10273,19 @@
               <a:buFont typeface="Arial" panose="020B0604020202020204" pitchFamily="34" charset="0"/>
               <a:buChar char="•"/>
             </a:pPr>
-            <a:r>
-              <a:rPr lang="ko-KR" altLang="en-US" dirty="0"/>
-              <a:t>작업현황 파악</a:t>
-            </a:r>
             <a:endParaRPr lang="en-US" altLang="ko-KR" dirty="0"/>
           </a:p>
         </p:txBody>
       </p:sp>
       <p:pic>
         <p:nvPicPr>
-          <p:cNvPr id="3" name="그림 2" descr="텍스트, 스크린샷, 소프트웨어, 멀티미디어 소프트웨어이(가) 표시된 사진&#10;&#10;자동 생성된 설명">
-            <a:extLst>
-              <a:ext uri="{FF2B5EF4-FFF2-40B4-BE49-F238E27FC236}">
-                <a16:creationId xmlns:a16="http://schemas.microsoft.com/office/drawing/2014/main" id="{216C35CB-612E-8C55-832D-51A2EC0860D7}"/>
-              </a:ext>
-            </a:extLst>
-          </p:cNvPr>
+          <p:cNvPr id="3" name="그림 2"/>
           <p:cNvPicPr>
             <a:picLocks noChangeAspect="1"/>
           </p:cNvPicPr>
           <p:nvPr/>
         </p:nvPicPr>
-        <p:blipFill rotWithShape="1">
+        <p:blipFill>
           <a:blip r:embed="rId2">
             <a:extLst>
               <a:ext uri="{28A0092B-C50C-407E-A947-70E740481C1C}">
@@ -10051,13 +10293,14 @@
               </a:ext>
             </a:extLst>
           </a:blip>
-          <a:srcRect l="35144" t="11931" r="27928" b="905"/>
-          <a:stretch/>
+          <a:stretch>
+            <a:fillRect/>
+          </a:stretch>
         </p:blipFill>
         <p:spPr>
           <a:xfrm>
-            <a:off x="5735660" y="893486"/>
-            <a:ext cx="4253072" cy="5401020"/>
+            <a:off x="3323160" y="2033592"/>
+            <a:ext cx="8551025" cy="3440793"/>
           </a:xfrm>
           <a:prstGeom prst="rect">
             <a:avLst/>
@@ -10067,7 +10310,7 @@
     </p:spTree>
     <p:extLst>
       <p:ext uri="{BB962C8B-B14F-4D97-AF65-F5344CB8AC3E}">
-        <p14:creationId xmlns:p14="http://schemas.microsoft.com/office/powerpoint/2010/main" val="1798754936"/>
+        <p14:creationId xmlns:p14="http://schemas.microsoft.com/office/powerpoint/2010/main" val="1933774194"/>
       </p:ext>
     </p:extLst>
   </p:cSld>
@@ -10238,17 +10481,131 @@
                   <a:srgbClr val="FF6433"/>
                 </a:solidFill>
               </a:rPr>
-              <a:t>개발 도구</a:t>
-            </a:r>
+              <a:t>기획 과정</a:t>
+            </a:r>
+          </a:p>
+        </p:txBody>
+      </p:sp>
+      <p:sp>
+        <p:nvSpPr>
+          <p:cNvPr id="16" name="TextBox 15">
+            <a:extLst>
+              <a:ext uri="{FF2B5EF4-FFF2-40B4-BE49-F238E27FC236}">
+                <a16:creationId xmlns:a16="http://schemas.microsoft.com/office/drawing/2014/main" id="{B5FE1D3A-3B7D-B3AB-BB08-594B5B8FE2AE}"/>
+              </a:ext>
+            </a:extLst>
+          </p:cNvPr>
+          <p:cNvSpPr txBox="1"/>
+          <p:nvPr/>
+        </p:nvSpPr>
+        <p:spPr>
+          <a:xfrm>
+            <a:off x="795771" y="1874218"/>
+            <a:ext cx="2934789" cy="400110"/>
+          </a:xfrm>
+          <a:prstGeom prst="rect">
+            <a:avLst/>
+          </a:prstGeom>
+          <a:noFill/>
+        </p:spPr>
+        <p:txBody>
+          <a:bodyPr wrap="square" rtlCol="0">
+            <a:spAutoFit/>
+          </a:bodyPr>
+          <a:lstStyle/>
+          <a:p>
+            <a:r>
+              <a:rPr lang="ko-KR" altLang="en-US" sz="2000" b="1" dirty="0" err="1"/>
+              <a:t>목업</a:t>
+            </a:r>
+            <a:r>
+              <a:rPr lang="ko-KR" altLang="en-US" sz="2000" b="1" dirty="0"/>
+              <a:t> </a:t>
+            </a:r>
+            <a:r>
+              <a:rPr lang="en-US" altLang="ko-KR" sz="2000" b="1" dirty="0"/>
+              <a:t>(Figma)</a:t>
+            </a:r>
+          </a:p>
+        </p:txBody>
+      </p:sp>
+      <p:sp>
+        <p:nvSpPr>
+          <p:cNvPr id="17" name="TextBox 16">
+            <a:extLst>
+              <a:ext uri="{FF2B5EF4-FFF2-40B4-BE49-F238E27FC236}">
+                <a16:creationId xmlns:a16="http://schemas.microsoft.com/office/drawing/2014/main" id="{A255FC6A-6B0F-F90D-8DD8-C6416A4308BB}"/>
+              </a:ext>
+            </a:extLst>
+          </p:cNvPr>
+          <p:cNvSpPr txBox="1"/>
+          <p:nvPr/>
+        </p:nvSpPr>
+        <p:spPr>
+          <a:xfrm>
+            <a:off x="569348" y="2505027"/>
+            <a:ext cx="3387634" cy="1285288"/>
+          </a:xfrm>
+          <a:prstGeom prst="rect">
+            <a:avLst/>
+          </a:prstGeom>
+          <a:noFill/>
+        </p:spPr>
+        <p:txBody>
+          <a:bodyPr wrap="square" rtlCol="0">
+            <a:spAutoFit/>
+          </a:bodyPr>
+          <a:lstStyle/>
+          <a:p>
+            <a:pPr marL="285750" indent="-285750">
+              <a:lnSpc>
+                <a:spcPct val="150000"/>
+              </a:lnSpc>
+              <a:buFont typeface="Arial" panose="020B0604020202020204" pitchFamily="34" charset="0"/>
+              <a:buChar char="•"/>
+            </a:pPr>
+            <a:r>
+              <a:rPr lang="ko-KR" altLang="en-US" dirty="0"/>
+              <a:t>페이지 구성</a:t>
+            </a:r>
+            <a:endParaRPr lang="en-US" altLang="ko-KR" dirty="0"/>
+          </a:p>
+          <a:p>
+            <a:pPr marL="285750" indent="-285750">
+              <a:lnSpc>
+                <a:spcPct val="150000"/>
+              </a:lnSpc>
+              <a:buFont typeface="Arial" panose="020B0604020202020204" pitchFamily="34" charset="0"/>
+              <a:buChar char="•"/>
+            </a:pPr>
+            <a:r>
+              <a:rPr lang="ko-KR" altLang="en-US" dirty="0"/>
+              <a:t>페이지 별 상호작용</a:t>
+            </a:r>
+            <a:endParaRPr lang="en-US" altLang="ko-KR" dirty="0"/>
+          </a:p>
+          <a:p>
+            <a:pPr marL="285750" indent="-285750">
+              <a:lnSpc>
+                <a:spcPct val="150000"/>
+              </a:lnSpc>
+              <a:buFont typeface="Arial" panose="020B0604020202020204" pitchFamily="34" charset="0"/>
+              <a:buChar char="•"/>
+            </a:pPr>
+            <a:r>
+              <a:rPr lang="ko-KR" altLang="en-US" dirty="0"/>
+              <a:t>작업현황 파악</a:t>
+            </a:r>
+            <a:endParaRPr lang="en-US" altLang="ko-KR" dirty="0"/>
           </a:p>
         </p:txBody>
       </p:sp>
       <p:pic>
         <p:nvPicPr>
-          <p:cNvPr id="4" name="그림 3" descr="텍스트, 스크린샷, 폰트이(가) 표시된 사진&#10;&#10;자동 생성된 설명">
-            <a:extLst>
-              <a:ext uri="{FF2B5EF4-FFF2-40B4-BE49-F238E27FC236}">
-                <a16:creationId xmlns:a16="http://schemas.microsoft.com/office/drawing/2014/main" id="{33EAF200-C66F-3FF2-0B30-22153A61C70E}"/>
+          <p:cNvPr id="3" name="그림 2" descr="텍스트, 스크린샷, 소프트웨어, 멀티미디어 소프트웨어이(가) 표시된 사진&#10;&#10;자동 생성된 설명">
+            <a:extLst>
+              <a:ext uri="{FF2B5EF4-FFF2-40B4-BE49-F238E27FC236}">
+                <a16:creationId xmlns:a16="http://schemas.microsoft.com/office/drawing/2014/main" id="{216C35CB-612E-8C55-832D-51A2EC0860D7}"/>
               </a:ext>
             </a:extLst>
           </p:cNvPr>
@@ -10257,7 +10614,7 @@
           </p:cNvPicPr>
           <p:nvPr/>
         </p:nvPicPr>
-        <p:blipFill>
+        <p:blipFill rotWithShape="1">
           <a:blip r:embed="rId2">
             <a:extLst>
               <a:ext uri="{28A0092B-C50C-407E-A947-70E740481C1C}">
@@ -10265,210 +10622,23 @@
               </a:ext>
             </a:extLst>
           </a:blip>
-          <a:stretch>
-            <a:fillRect/>
-          </a:stretch>
+          <a:srcRect l="35144" t="11931" r="27928" b="905"/>
+          <a:stretch/>
         </p:blipFill>
         <p:spPr>
           <a:xfrm>
-            <a:off x="1149320" y="2764584"/>
-            <a:ext cx="3296110" cy="1352739"/>
-          </a:xfrm>
-          <a:prstGeom prst="rect">
-            <a:avLst/>
-          </a:prstGeom>
-        </p:spPr>
-      </p:pic>
-      <p:pic>
-        <p:nvPicPr>
-          <p:cNvPr id="1026" name="Picture 2">
-            <a:extLst>
-              <a:ext uri="{FF2B5EF4-FFF2-40B4-BE49-F238E27FC236}">
-                <a16:creationId xmlns:a16="http://schemas.microsoft.com/office/drawing/2014/main" id="{26C2CFB2-D2F2-F472-C6A5-22D6AC5D8976}"/>
-              </a:ext>
-            </a:extLst>
-          </p:cNvPr>
-          <p:cNvPicPr>
-            <a:picLocks noChangeAspect="1" noChangeArrowheads="1"/>
-          </p:cNvPicPr>
-          <p:nvPr/>
-        </p:nvPicPr>
-        <p:blipFill>
-          <a:blip r:embed="rId3" cstate="hqprint">
-            <a:extLst>
-              <a:ext uri="{28A0092B-C50C-407E-A947-70E740481C1C}">
-                <a14:useLocalDpi xmlns:a14="http://schemas.microsoft.com/office/drawing/2010/main" val="0"/>
-              </a:ext>
-            </a:extLst>
-          </a:blip>
-          <a:srcRect/>
-          <a:stretch>
-            <a:fillRect/>
-          </a:stretch>
-        </p:blipFill>
-        <p:spPr bwMode="auto">
-          <a:xfrm>
-            <a:off x="5471704" y="2419794"/>
-            <a:ext cx="2873829" cy="738664"/>
-          </a:xfrm>
-          <a:prstGeom prst="rect">
-            <a:avLst/>
-          </a:prstGeom>
-          <a:noFill/>
-          <a:extLst>
-            <a:ext uri="{909E8E84-426E-40DD-AFC4-6F175D3DCCD1}">
-              <a14:hiddenFill xmlns:a14="http://schemas.microsoft.com/office/drawing/2010/main">
-                <a:solidFill>
-                  <a:srgbClr val="FFFFFF"/>
-                </a:solidFill>
-              </a14:hiddenFill>
-            </a:ext>
-          </a:extLst>
-        </p:spPr>
-      </p:pic>
-      <p:pic>
-        <p:nvPicPr>
-          <p:cNvPr id="1028" name="Picture 4" descr="Vue.js 기본 사용법">
-            <a:extLst>
-              <a:ext uri="{FF2B5EF4-FFF2-40B4-BE49-F238E27FC236}">
-                <a16:creationId xmlns:a16="http://schemas.microsoft.com/office/drawing/2014/main" id="{099CF4CD-112E-1DAA-88E1-BD01F75D0F6A}"/>
-              </a:ext>
-            </a:extLst>
-          </p:cNvPr>
-          <p:cNvPicPr>
-            <a:picLocks noChangeAspect="1" noChangeArrowheads="1"/>
-          </p:cNvPicPr>
-          <p:nvPr/>
-        </p:nvPicPr>
-        <p:blipFill>
-          <a:blip r:embed="rId4">
-            <a:extLst>
-              <a:ext uri="{28A0092B-C50C-407E-A947-70E740481C1C}">
-                <a14:useLocalDpi xmlns:a14="http://schemas.microsoft.com/office/drawing/2010/main" val="0"/>
-              </a:ext>
-            </a:extLst>
-          </a:blip>
-          <a:srcRect/>
-          <a:stretch>
-            <a:fillRect/>
-          </a:stretch>
-        </p:blipFill>
-        <p:spPr bwMode="auto">
-          <a:xfrm>
-            <a:off x="8677479" y="2070176"/>
-            <a:ext cx="2381250" cy="1428750"/>
-          </a:xfrm>
-          <a:prstGeom prst="rect">
-            <a:avLst/>
-          </a:prstGeom>
-          <a:noFill/>
-          <a:extLst>
-            <a:ext uri="{909E8E84-426E-40DD-AFC4-6F175D3DCCD1}">
-              <a14:hiddenFill xmlns:a14="http://schemas.microsoft.com/office/drawing/2010/main">
-                <a:solidFill>
-                  <a:srgbClr val="FFFFFF"/>
-                </a:solidFill>
-              </a14:hiddenFill>
-            </a:ext>
-          </a:extLst>
-        </p:spPr>
-      </p:pic>
-      <p:sp>
-        <p:nvSpPr>
-          <p:cNvPr id="5" name="AutoShape 6" descr="MySQL - 나무위키">
-            <a:extLst>
-              <a:ext uri="{FF2B5EF4-FFF2-40B4-BE49-F238E27FC236}">
-                <a16:creationId xmlns:a16="http://schemas.microsoft.com/office/drawing/2014/main" id="{7376DCB3-FB5F-078C-89A8-F68F69DC3D38}"/>
-              </a:ext>
-            </a:extLst>
-          </p:cNvPr>
-          <p:cNvSpPr>
-            <a:spLocks noChangeAspect="1" noChangeArrowheads="1"/>
-          </p:cNvSpPr>
-          <p:nvPr/>
-        </p:nvSpPr>
-        <p:spPr bwMode="auto">
-          <a:xfrm>
-            <a:off x="5943600" y="3276600"/>
-            <a:ext cx="304800" cy="304800"/>
-          </a:xfrm>
-          <a:prstGeom prst="rect">
-            <a:avLst/>
-          </a:prstGeom>
-          <a:noFill/>
-          <a:extLst>
-            <a:ext uri="{909E8E84-426E-40DD-AFC4-6F175D3DCCD1}">
-              <a14:hiddenFill xmlns:a14="http://schemas.microsoft.com/office/drawing/2010/main">
-                <a:solidFill>
-                  <a:srgbClr val="FFFFFF"/>
-                </a:solidFill>
-              </a14:hiddenFill>
-            </a:ext>
-          </a:extLst>
-        </p:spPr>
-        <p:txBody>
-          <a:bodyPr vert="horz" wrap="square" lIns="91440" tIns="45720" rIns="91440" bIns="45720" numCol="1" anchor="t" anchorCtr="0" compatLnSpc="1">
-            <a:prstTxWarp prst="textNoShape">
-              <a:avLst/>
-            </a:prstTxWarp>
-          </a:bodyPr>
-          <a:lstStyle/>
-          <a:p>
-            <a:endParaRPr lang="ko-KR" altLang="en-US"/>
-          </a:p>
-        </p:txBody>
-      </p:sp>
-      <p:pic>
-        <p:nvPicPr>
-          <p:cNvPr id="1034" name="Picture 10" descr="MySQL 무료로 다운 받기 - 2023년 최신 버전">
-            <a:extLst>
-              <a:ext uri="{FF2B5EF4-FFF2-40B4-BE49-F238E27FC236}">
-                <a16:creationId xmlns:a16="http://schemas.microsoft.com/office/drawing/2014/main" id="{A5765103-9D09-C46D-D9DD-A0FB927614CA}"/>
-              </a:ext>
-            </a:extLst>
-          </p:cNvPr>
-          <p:cNvPicPr>
-            <a:picLocks noChangeAspect="1" noChangeArrowheads="1"/>
-          </p:cNvPicPr>
-          <p:nvPr/>
-        </p:nvPicPr>
-        <p:blipFill>
-          <a:blip r:embed="rId5">
-            <a:extLst>
-              <a:ext uri="{28A0092B-C50C-407E-A947-70E740481C1C}">
-                <a14:useLocalDpi xmlns:a14="http://schemas.microsoft.com/office/drawing/2010/main" val="0"/>
-              </a:ext>
-            </a:extLst>
-          </a:blip>
-          <a:srcRect/>
-          <a:stretch>
-            <a:fillRect/>
-          </a:stretch>
-        </p:blipFill>
-        <p:spPr bwMode="auto">
-          <a:xfrm>
-            <a:off x="6816090" y="3624082"/>
-            <a:ext cx="2705100" cy="1685925"/>
-          </a:xfrm>
-          <a:prstGeom prst="rect">
-            <a:avLst/>
-          </a:prstGeom>
-          <a:noFill/>
-          <a:extLst>
-            <a:ext uri="{909E8E84-426E-40DD-AFC4-6F175D3DCCD1}">
-              <a14:hiddenFill xmlns:a14="http://schemas.microsoft.com/office/drawing/2010/main">
-                <a:solidFill>
-                  <a:srgbClr val="FFFFFF"/>
-                </a:solidFill>
-              </a14:hiddenFill>
-            </a:ext>
-          </a:extLst>
+            <a:off x="5735660" y="893486"/>
+            <a:ext cx="4253072" cy="5401020"/>
+          </a:xfrm>
+          <a:prstGeom prst="rect">
+            <a:avLst/>
+          </a:prstGeom>
         </p:spPr>
       </p:pic>
     </p:spTree>
     <p:extLst>
       <p:ext uri="{BB962C8B-B14F-4D97-AF65-F5344CB8AC3E}">
-        <p14:creationId xmlns:p14="http://schemas.microsoft.com/office/powerpoint/2010/main" val="323820930"/>
+        <p14:creationId xmlns:p14="http://schemas.microsoft.com/office/powerpoint/2010/main" val="1798754936"/>
       </p:ext>
     </p:extLst>
   </p:cSld>
@@ -10639,121 +10809,17 @@
                   <a:srgbClr val="FF6433"/>
                 </a:solidFill>
               </a:rPr>
-              <a:t>주요 기능</a:t>
-            </a:r>
-          </a:p>
-        </p:txBody>
-      </p:sp>
-      <p:sp>
-        <p:nvSpPr>
-          <p:cNvPr id="16" name="TextBox 15">
-            <a:extLst>
-              <a:ext uri="{FF2B5EF4-FFF2-40B4-BE49-F238E27FC236}">
-                <a16:creationId xmlns:a16="http://schemas.microsoft.com/office/drawing/2014/main" id="{B5FE1D3A-3B7D-B3AB-BB08-594B5B8FE2AE}"/>
-              </a:ext>
-            </a:extLst>
-          </p:cNvPr>
-          <p:cNvSpPr txBox="1"/>
-          <p:nvPr/>
-        </p:nvSpPr>
-        <p:spPr>
-          <a:xfrm>
-            <a:off x="795771" y="1874218"/>
-            <a:ext cx="2934789" cy="400110"/>
-          </a:xfrm>
-          <a:prstGeom prst="rect">
-            <a:avLst/>
-          </a:prstGeom>
-          <a:noFill/>
-        </p:spPr>
-        <p:txBody>
-          <a:bodyPr wrap="square" rtlCol="0">
-            <a:spAutoFit/>
-          </a:bodyPr>
-          <a:lstStyle/>
-          <a:p>
-            <a:r>
-              <a:rPr lang="ko-KR" altLang="en-US" sz="2000" b="1" dirty="0"/>
-              <a:t>홈페이지</a:t>
-            </a:r>
-            <a:endParaRPr lang="en-US" altLang="ko-KR" sz="2000" b="1" dirty="0"/>
-          </a:p>
-        </p:txBody>
-      </p:sp>
-      <p:sp>
-        <p:nvSpPr>
-          <p:cNvPr id="17" name="TextBox 16">
-            <a:extLst>
-              <a:ext uri="{FF2B5EF4-FFF2-40B4-BE49-F238E27FC236}">
-                <a16:creationId xmlns:a16="http://schemas.microsoft.com/office/drawing/2014/main" id="{A255FC6A-6B0F-F90D-8DD8-C6416A4308BB}"/>
-              </a:ext>
-            </a:extLst>
-          </p:cNvPr>
-          <p:cNvSpPr txBox="1"/>
-          <p:nvPr/>
-        </p:nvSpPr>
-        <p:spPr>
-          <a:xfrm>
-            <a:off x="569348" y="2505027"/>
-            <a:ext cx="3387634" cy="1285288"/>
-          </a:xfrm>
-          <a:prstGeom prst="rect">
-            <a:avLst/>
-          </a:prstGeom>
-          <a:noFill/>
-        </p:spPr>
-        <p:txBody>
-          <a:bodyPr wrap="square" rtlCol="0">
-            <a:spAutoFit/>
-          </a:bodyPr>
-          <a:lstStyle/>
-          <a:p>
-            <a:pPr marL="285750" indent="-285750">
-              <a:lnSpc>
-                <a:spcPct val="150000"/>
-              </a:lnSpc>
-              <a:buFont typeface="Arial" panose="020B0604020202020204" pitchFamily="34" charset="0"/>
-              <a:buChar char="•"/>
-            </a:pPr>
-            <a:r>
-              <a:rPr lang="ko-KR" altLang="en-US" dirty="0"/>
-              <a:t>랜덤 명언</a:t>
-            </a:r>
-            <a:endParaRPr lang="en-US" altLang="ko-KR" dirty="0"/>
-          </a:p>
-          <a:p>
-            <a:pPr marL="285750" indent="-285750">
-              <a:lnSpc>
-                <a:spcPct val="150000"/>
-              </a:lnSpc>
-              <a:buFont typeface="Arial" panose="020B0604020202020204" pitchFamily="34" charset="0"/>
-              <a:buChar char="•"/>
-            </a:pPr>
-            <a:r>
-              <a:rPr lang="ko-KR" altLang="en-US" dirty="0"/>
-              <a:t>로그인 상태에 따라</a:t>
-            </a:r>
-            <a:r>
-              <a:rPr lang="en-US" altLang="ko-KR" dirty="0"/>
-              <a:t/>
-            </a:r>
-            <a:br>
-              <a:rPr lang="en-US" altLang="ko-KR" dirty="0"/>
-            </a:br>
-            <a:r>
-              <a:rPr lang="ko-KR" altLang="en-US" dirty="0"/>
-              <a:t>네비게이션 변화</a:t>
-            </a:r>
-            <a:endParaRPr lang="en-US" altLang="ko-KR" dirty="0"/>
+              <a:t>개발 도구</a:t>
+            </a:r>
           </a:p>
         </p:txBody>
       </p:sp>
       <p:pic>
         <p:nvPicPr>
-          <p:cNvPr id="4" name="그림 3" descr="텍스트, 스크린샷, 인간의 얼굴, 그래픽 디자인이(가) 표시된 사진&#10;&#10;자동 생성된 설명">
-            <a:extLst>
-              <a:ext uri="{FF2B5EF4-FFF2-40B4-BE49-F238E27FC236}">
-                <a16:creationId xmlns:a16="http://schemas.microsoft.com/office/drawing/2014/main" id="{34C3A625-B24D-905F-4C29-934515B9734D}"/>
+          <p:cNvPr id="4" name="그림 3" descr="텍스트, 스크린샷, 폰트이(가) 표시된 사진&#10;&#10;자동 생성된 설명">
+            <a:extLst>
+              <a:ext uri="{FF2B5EF4-FFF2-40B4-BE49-F238E27FC236}">
+                <a16:creationId xmlns:a16="http://schemas.microsoft.com/office/drawing/2014/main" id="{33EAF200-C66F-3FF2-0B30-22153A61C70E}"/>
               </a:ext>
             </a:extLst>
           </p:cNvPr>
@@ -10762,7 +10828,7 @@
           </p:cNvPicPr>
           <p:nvPr/>
         </p:nvPicPr>
-        <p:blipFill rotWithShape="1">
+        <p:blipFill>
           <a:blip r:embed="rId2">
             <a:extLst>
               <a:ext uri="{28A0092B-C50C-407E-A947-70E740481C1C}">
@@ -10770,23 +10836,210 @@
               </a:ext>
             </a:extLst>
           </a:blip>
-          <a:srcRect t="6278"/>
-          <a:stretch/>
+          <a:stretch>
+            <a:fillRect/>
+          </a:stretch>
         </p:blipFill>
         <p:spPr>
           <a:xfrm>
-            <a:off x="3730560" y="1507403"/>
-            <a:ext cx="8019864" cy="4043952"/>
-          </a:xfrm>
-          <a:prstGeom prst="rect">
-            <a:avLst/>
-          </a:prstGeom>
+            <a:off x="1149320" y="2764584"/>
+            <a:ext cx="3296110" cy="1352739"/>
+          </a:xfrm>
+          <a:prstGeom prst="rect">
+            <a:avLst/>
+          </a:prstGeom>
+        </p:spPr>
+      </p:pic>
+      <p:pic>
+        <p:nvPicPr>
+          <p:cNvPr id="1026" name="Picture 2">
+            <a:extLst>
+              <a:ext uri="{FF2B5EF4-FFF2-40B4-BE49-F238E27FC236}">
+                <a16:creationId xmlns:a16="http://schemas.microsoft.com/office/drawing/2014/main" id="{26C2CFB2-D2F2-F472-C6A5-22D6AC5D8976}"/>
+              </a:ext>
+            </a:extLst>
+          </p:cNvPr>
+          <p:cNvPicPr>
+            <a:picLocks noChangeAspect="1" noChangeArrowheads="1"/>
+          </p:cNvPicPr>
+          <p:nvPr/>
+        </p:nvPicPr>
+        <p:blipFill>
+          <a:blip r:embed="rId3" cstate="hqprint">
+            <a:extLst>
+              <a:ext uri="{28A0092B-C50C-407E-A947-70E740481C1C}">
+                <a14:useLocalDpi xmlns:a14="http://schemas.microsoft.com/office/drawing/2010/main" val="0"/>
+              </a:ext>
+            </a:extLst>
+          </a:blip>
+          <a:srcRect/>
+          <a:stretch>
+            <a:fillRect/>
+          </a:stretch>
+        </p:blipFill>
+        <p:spPr bwMode="auto">
+          <a:xfrm>
+            <a:off x="5471704" y="2419794"/>
+            <a:ext cx="2873829" cy="738664"/>
+          </a:xfrm>
+          <a:prstGeom prst="rect">
+            <a:avLst/>
+          </a:prstGeom>
+          <a:noFill/>
+          <a:extLst>
+            <a:ext uri="{909E8E84-426E-40DD-AFC4-6F175D3DCCD1}">
+              <a14:hiddenFill xmlns:a14="http://schemas.microsoft.com/office/drawing/2010/main">
+                <a:solidFill>
+                  <a:srgbClr val="FFFFFF"/>
+                </a:solidFill>
+              </a14:hiddenFill>
+            </a:ext>
+          </a:extLst>
+        </p:spPr>
+      </p:pic>
+      <p:pic>
+        <p:nvPicPr>
+          <p:cNvPr id="1028" name="Picture 4" descr="Vue.js 기본 사용법">
+            <a:extLst>
+              <a:ext uri="{FF2B5EF4-FFF2-40B4-BE49-F238E27FC236}">
+                <a16:creationId xmlns:a16="http://schemas.microsoft.com/office/drawing/2014/main" id="{099CF4CD-112E-1DAA-88E1-BD01F75D0F6A}"/>
+              </a:ext>
+            </a:extLst>
+          </p:cNvPr>
+          <p:cNvPicPr>
+            <a:picLocks noChangeAspect="1" noChangeArrowheads="1"/>
+          </p:cNvPicPr>
+          <p:nvPr/>
+        </p:nvPicPr>
+        <p:blipFill>
+          <a:blip r:embed="rId4">
+            <a:extLst>
+              <a:ext uri="{28A0092B-C50C-407E-A947-70E740481C1C}">
+                <a14:useLocalDpi xmlns:a14="http://schemas.microsoft.com/office/drawing/2010/main" val="0"/>
+              </a:ext>
+            </a:extLst>
+          </a:blip>
+          <a:srcRect/>
+          <a:stretch>
+            <a:fillRect/>
+          </a:stretch>
+        </p:blipFill>
+        <p:spPr bwMode="auto">
+          <a:xfrm>
+            <a:off x="8677479" y="2070176"/>
+            <a:ext cx="2381250" cy="1428750"/>
+          </a:xfrm>
+          <a:prstGeom prst="rect">
+            <a:avLst/>
+          </a:prstGeom>
+          <a:noFill/>
+          <a:extLst>
+            <a:ext uri="{909E8E84-426E-40DD-AFC4-6F175D3DCCD1}">
+              <a14:hiddenFill xmlns:a14="http://schemas.microsoft.com/office/drawing/2010/main">
+                <a:solidFill>
+                  <a:srgbClr val="FFFFFF"/>
+                </a:solidFill>
+              </a14:hiddenFill>
+            </a:ext>
+          </a:extLst>
+        </p:spPr>
+      </p:pic>
+      <p:sp>
+        <p:nvSpPr>
+          <p:cNvPr id="5" name="AutoShape 6" descr="MySQL - 나무위키">
+            <a:extLst>
+              <a:ext uri="{FF2B5EF4-FFF2-40B4-BE49-F238E27FC236}">
+                <a16:creationId xmlns:a16="http://schemas.microsoft.com/office/drawing/2014/main" id="{7376DCB3-FB5F-078C-89A8-F68F69DC3D38}"/>
+              </a:ext>
+            </a:extLst>
+          </p:cNvPr>
+          <p:cNvSpPr>
+            <a:spLocks noChangeAspect="1" noChangeArrowheads="1"/>
+          </p:cNvSpPr>
+          <p:nvPr/>
+        </p:nvSpPr>
+        <p:spPr bwMode="auto">
+          <a:xfrm>
+            <a:off x="5943600" y="3276600"/>
+            <a:ext cx="304800" cy="304800"/>
+          </a:xfrm>
+          <a:prstGeom prst="rect">
+            <a:avLst/>
+          </a:prstGeom>
+          <a:noFill/>
+          <a:extLst>
+            <a:ext uri="{909E8E84-426E-40DD-AFC4-6F175D3DCCD1}">
+              <a14:hiddenFill xmlns:a14="http://schemas.microsoft.com/office/drawing/2010/main">
+                <a:solidFill>
+                  <a:srgbClr val="FFFFFF"/>
+                </a:solidFill>
+              </a14:hiddenFill>
+            </a:ext>
+          </a:extLst>
+        </p:spPr>
+        <p:txBody>
+          <a:bodyPr vert="horz" wrap="square" lIns="91440" tIns="45720" rIns="91440" bIns="45720" numCol="1" anchor="t" anchorCtr="0" compatLnSpc="1">
+            <a:prstTxWarp prst="textNoShape">
+              <a:avLst/>
+            </a:prstTxWarp>
+          </a:bodyPr>
+          <a:lstStyle/>
+          <a:p>
+            <a:endParaRPr lang="ko-KR" altLang="en-US"/>
+          </a:p>
+        </p:txBody>
+      </p:sp>
+      <p:pic>
+        <p:nvPicPr>
+          <p:cNvPr id="1034" name="Picture 10" descr="MySQL 무료로 다운 받기 - 2023년 최신 버전">
+            <a:extLst>
+              <a:ext uri="{FF2B5EF4-FFF2-40B4-BE49-F238E27FC236}">
+                <a16:creationId xmlns:a16="http://schemas.microsoft.com/office/drawing/2014/main" id="{A5765103-9D09-C46D-D9DD-A0FB927614CA}"/>
+              </a:ext>
+            </a:extLst>
+          </p:cNvPr>
+          <p:cNvPicPr>
+            <a:picLocks noChangeAspect="1" noChangeArrowheads="1"/>
+          </p:cNvPicPr>
+          <p:nvPr/>
+        </p:nvPicPr>
+        <p:blipFill>
+          <a:blip r:embed="rId5">
+            <a:extLst>
+              <a:ext uri="{28A0092B-C50C-407E-A947-70E740481C1C}">
+                <a14:useLocalDpi xmlns:a14="http://schemas.microsoft.com/office/drawing/2010/main" val="0"/>
+              </a:ext>
+            </a:extLst>
+          </a:blip>
+          <a:srcRect/>
+          <a:stretch>
+            <a:fillRect/>
+          </a:stretch>
+        </p:blipFill>
+        <p:spPr bwMode="auto">
+          <a:xfrm>
+            <a:off x="6816090" y="3624082"/>
+            <a:ext cx="2705100" cy="1685925"/>
+          </a:xfrm>
+          <a:prstGeom prst="rect">
+            <a:avLst/>
+          </a:prstGeom>
+          <a:noFill/>
+          <a:extLst>
+            <a:ext uri="{909E8E84-426E-40DD-AFC4-6F175D3DCCD1}">
+              <a14:hiddenFill xmlns:a14="http://schemas.microsoft.com/office/drawing/2010/main">
+                <a:solidFill>
+                  <a:srgbClr val="FFFFFF"/>
+                </a:solidFill>
+              </a14:hiddenFill>
+            </a:ext>
+          </a:extLst>
         </p:spPr>
       </p:pic>
     </p:spTree>
     <p:extLst>
       <p:ext uri="{BB962C8B-B14F-4D97-AF65-F5344CB8AC3E}">
-        <p14:creationId xmlns:p14="http://schemas.microsoft.com/office/powerpoint/2010/main" val="3405319612"/>
+        <p14:creationId xmlns:p14="http://schemas.microsoft.com/office/powerpoint/2010/main" val="323820930"/>
       </p:ext>
     </p:extLst>
   </p:cSld>
